--- a/DB_PPT/1장. 오라클 DB 환경설정 및 구성 객체.pptx
+++ b/DB_PPT/1장. 오라클 DB 환경설정 및 구성 객체.pptx
@@ -60,9 +60,9 @@
     <p:sldId id="331" r:id="rId51"/>
     <p:sldId id="332" r:id="rId52"/>
     <p:sldId id="334" r:id="rId53"/>
-    <p:sldId id="336" r:id="rId54"/>
-    <p:sldId id="337" r:id="rId55"/>
-    <p:sldId id="333" r:id="rId56"/>
+    <p:sldId id="337" r:id="rId54"/>
+    <p:sldId id="333" r:id="rId55"/>
+    <p:sldId id="341" r:id="rId56"/>
     <p:sldId id="305" r:id="rId57"/>
     <p:sldId id="306" r:id="rId58"/>
   </p:sldIdLst>
@@ -165,7 +165,7 @@
   </p:defaultTextStyle>
   <p:extLst>
     <p:ext uri="{EFAFB233-063F-42B5-8137-9DF3F51BA10A}">
-      <p15:sldGuideLst xmlns="" xmlns:p15="http://schemas.microsoft.com/office/powerpoint/2012/main">
+      <p15:sldGuideLst xmlns:p15="http://schemas.microsoft.com/office/powerpoint/2012/main">
         <p15:guide id="1" orient="horz" pos="2160">
           <p15:clr>
             <a:srgbClr val="A4A3A4"/>
@@ -264,7 +264,7 @@
           <a:p>
             <a:fld id="{7665CDAC-D627-4E87-877A-1B781DD4CADC}" type="datetimeFigureOut">
               <a:rPr lang="ko-KR" altLang="en-US" smtClean="0"/>
-              <a:t>2022-07-12</a:t>
+              <a:t>2023-03-26</a:t>
             </a:fld>
             <a:endParaRPr lang="ko-KR" altLang="en-US"/>
           </a:p>
@@ -1166,7 +1166,7 @@
           <a:p>
             <a:fld id="{E240FE80-3752-4C44-80B8-E31C3450070D}" type="datetime1">
               <a:rPr lang="ko-KR" altLang="en-US" smtClean="0"/>
-              <a:t>2022-07-12</a:t>
+              <a:t>2023-03-26</a:t>
             </a:fld>
             <a:endParaRPr lang="ko-KR" altLang="en-US"/>
           </a:p>
@@ -1346,7 +1346,7 @@
           <a:p>
             <a:fld id="{5FA88D13-428F-4553-BC93-2E91B1DA3F5C}" type="datetime1">
               <a:rPr lang="ko-KR" altLang="en-US" smtClean="0"/>
-              <a:t>2022-07-12</a:t>
+              <a:t>2023-03-26</a:t>
             </a:fld>
             <a:endParaRPr lang="ko-KR" altLang="en-US"/>
           </a:p>
@@ -1520,7 +1520,7 @@
           <a:p>
             <a:fld id="{4E9D4779-FB94-4D0A-9770-16BB460ADD4B}" type="datetime1">
               <a:rPr lang="ko-KR" altLang="en-US" smtClean="0"/>
-              <a:t>2022-07-12</a:t>
+              <a:t>2023-03-26</a:t>
             </a:fld>
             <a:endParaRPr lang="ko-KR" altLang="en-US"/>
           </a:p>
@@ -1766,7 +1766,7 @@
           <a:p>
             <a:fld id="{DD687F0D-089E-4098-8EE9-5721C76E52EC}" type="datetime1">
               <a:rPr lang="ko-KR" altLang="en-US" smtClean="0"/>
-              <a:t>2022-07-12</a:t>
+              <a:t>2023-03-26</a:t>
             </a:fld>
             <a:endParaRPr lang="ko-KR" altLang="en-US"/>
           </a:p>
@@ -2054,7 +2054,7 @@
           <a:p>
             <a:fld id="{09C650FE-E6B2-4D57-AAF6-1B2A37421AAD}" type="datetime1">
               <a:rPr lang="ko-KR" altLang="en-US" smtClean="0"/>
-              <a:t>2022-07-12</a:t>
+              <a:t>2023-03-26</a:t>
             </a:fld>
             <a:endParaRPr lang="ko-KR" altLang="en-US"/>
           </a:p>
@@ -2476,7 +2476,7 @@
           <a:p>
             <a:fld id="{E87F20C2-C949-4E4F-9580-FEE4F2DAC554}" type="datetime1">
               <a:rPr lang="ko-KR" altLang="en-US" smtClean="0"/>
-              <a:t>2022-07-12</a:t>
+              <a:t>2023-03-26</a:t>
             </a:fld>
             <a:endParaRPr lang="ko-KR" altLang="en-US"/>
           </a:p>
@@ -2594,7 +2594,7 @@
           <a:p>
             <a:fld id="{476DBFE0-70CA-4AA9-9C17-F02054822E7E}" type="datetime1">
               <a:rPr lang="ko-KR" altLang="en-US" smtClean="0"/>
-              <a:t>2022-07-12</a:t>
+              <a:t>2023-03-26</a:t>
             </a:fld>
             <a:endParaRPr lang="ko-KR" altLang="en-US"/>
           </a:p>
@@ -2689,7 +2689,7 @@
           <a:p>
             <a:fld id="{6DA84A72-C6AC-45C3-AE5A-9CF6D245353A}" type="datetime1">
               <a:rPr lang="ko-KR" altLang="en-US" smtClean="0"/>
-              <a:t>2022-07-12</a:t>
+              <a:t>2023-03-26</a:t>
             </a:fld>
             <a:endParaRPr lang="ko-KR" altLang="en-US"/>
           </a:p>
@@ -2966,7 +2966,7 @@
           <a:p>
             <a:fld id="{092D9E8D-7616-4FA8-9B12-88059974D499}" type="datetime1">
               <a:rPr lang="ko-KR" altLang="en-US" smtClean="0"/>
-              <a:t>2022-07-12</a:t>
+              <a:t>2023-03-26</a:t>
             </a:fld>
             <a:endParaRPr lang="ko-KR" altLang="en-US"/>
           </a:p>
@@ -3219,7 +3219,7 @@
           <a:p>
             <a:fld id="{79F4C3F6-B4DC-4E51-8609-BCC628ECDBF3}" type="datetime1">
               <a:rPr lang="ko-KR" altLang="en-US" smtClean="0"/>
-              <a:t>2022-07-12</a:t>
+              <a:t>2023-03-26</a:t>
             </a:fld>
             <a:endParaRPr lang="ko-KR" altLang="en-US"/>
           </a:p>
@@ -3399,7 +3399,7 @@
           <a:p>
             <a:fld id="{B2C4C586-F21B-48DD-B591-4B12E73E0749}" type="datetime1">
               <a:rPr lang="ko-KR" altLang="en-US" smtClean="0"/>
-              <a:t>2022-07-12</a:t>
+              <a:t>2023-03-26</a:t>
             </a:fld>
             <a:endParaRPr lang="ko-KR" altLang="en-US"/>
           </a:p>
@@ -4318,28 +4318,28 @@
                 <a:gridCol w="1296144">
                   <a:extLst>
                     <a:ext uri="{9D8B030D-6E8A-4147-A177-3AD203B41FA5}">
-                      <a16:colId xmlns:a16="http://schemas.microsoft.com/office/drawing/2014/main" xmlns="" val="20000"/>
+                      <a16:colId xmlns:a16="http://schemas.microsoft.com/office/drawing/2014/main" val="20000"/>
                     </a:ext>
                   </a:extLst>
                 </a:gridCol>
                 <a:gridCol w="936104">
                   <a:extLst>
                     <a:ext uri="{9D8B030D-6E8A-4147-A177-3AD203B41FA5}">
-                      <a16:colId xmlns:a16="http://schemas.microsoft.com/office/drawing/2014/main" xmlns="" val="20001"/>
+                      <a16:colId xmlns:a16="http://schemas.microsoft.com/office/drawing/2014/main" val="20001"/>
                     </a:ext>
                   </a:extLst>
                 </a:gridCol>
                 <a:gridCol w="1440160">
                   <a:extLst>
                     <a:ext uri="{9D8B030D-6E8A-4147-A177-3AD203B41FA5}">
-                      <a16:colId xmlns:a16="http://schemas.microsoft.com/office/drawing/2014/main" xmlns="" val="20002"/>
+                      <a16:colId xmlns:a16="http://schemas.microsoft.com/office/drawing/2014/main" val="20002"/>
                     </a:ext>
                   </a:extLst>
                 </a:gridCol>
                 <a:gridCol w="1152128">
                   <a:extLst>
                     <a:ext uri="{9D8B030D-6E8A-4147-A177-3AD203B41FA5}">
-                      <a16:colId xmlns:a16="http://schemas.microsoft.com/office/drawing/2014/main" xmlns="" val="20003"/>
+                      <a16:colId xmlns:a16="http://schemas.microsoft.com/office/drawing/2014/main" val="20003"/>
                     </a:ext>
                   </a:extLst>
                 </a:gridCol>
@@ -4407,7 +4407,7 @@
                 </a:tc>
                 <a:extLst>
                   <a:ext uri="{0D108BD9-81ED-4DB2-BD59-A6C34878D82A}">
-                    <a16:rowId xmlns:a16="http://schemas.microsoft.com/office/drawing/2014/main" xmlns="" val="10000"/>
+                    <a16:rowId xmlns:a16="http://schemas.microsoft.com/office/drawing/2014/main" val="10000"/>
                   </a:ext>
                 </a:extLst>
               </a:tr>
@@ -4474,7 +4474,7 @@
                 </a:tc>
                 <a:extLst>
                   <a:ext uri="{0D108BD9-81ED-4DB2-BD59-A6C34878D82A}">
-                    <a16:rowId xmlns:a16="http://schemas.microsoft.com/office/drawing/2014/main" xmlns="" val="10001"/>
+                    <a16:rowId xmlns:a16="http://schemas.microsoft.com/office/drawing/2014/main" val="10001"/>
                   </a:ext>
                 </a:extLst>
               </a:tr>
@@ -4541,7 +4541,7 @@
                 </a:tc>
                 <a:extLst>
                   <a:ext uri="{0D108BD9-81ED-4DB2-BD59-A6C34878D82A}">
-                    <a16:rowId xmlns:a16="http://schemas.microsoft.com/office/drawing/2014/main" xmlns="" val="10002"/>
+                    <a16:rowId xmlns:a16="http://schemas.microsoft.com/office/drawing/2014/main" val="10002"/>
                   </a:ext>
                 </a:extLst>
               </a:tr>
@@ -4608,7 +4608,7 @@
                 </a:tc>
                 <a:extLst>
                   <a:ext uri="{0D108BD9-81ED-4DB2-BD59-A6C34878D82A}">
-                    <a16:rowId xmlns:a16="http://schemas.microsoft.com/office/drawing/2014/main" xmlns="" val="10003"/>
+                    <a16:rowId xmlns:a16="http://schemas.microsoft.com/office/drawing/2014/main" val="10003"/>
                   </a:ext>
                 </a:extLst>
               </a:tr>
@@ -4697,28 +4697,28 @@
                 <a:gridCol w="1152128">
                   <a:extLst>
                     <a:ext uri="{9D8B030D-6E8A-4147-A177-3AD203B41FA5}">
-                      <a16:colId xmlns:a16="http://schemas.microsoft.com/office/drawing/2014/main" xmlns="" val="20000"/>
+                      <a16:colId xmlns:a16="http://schemas.microsoft.com/office/drawing/2014/main" val="20000"/>
                     </a:ext>
                   </a:extLst>
                 </a:gridCol>
                 <a:gridCol w="1152128">
                   <a:extLst>
                     <a:ext uri="{9D8B030D-6E8A-4147-A177-3AD203B41FA5}">
-                      <a16:colId xmlns:a16="http://schemas.microsoft.com/office/drawing/2014/main" xmlns="" val="20001"/>
+                      <a16:colId xmlns:a16="http://schemas.microsoft.com/office/drawing/2014/main" val="20001"/>
                     </a:ext>
                   </a:extLst>
                 </a:gridCol>
                 <a:gridCol w="1008112">
                   <a:extLst>
                     <a:ext uri="{9D8B030D-6E8A-4147-A177-3AD203B41FA5}">
-                      <a16:colId xmlns:a16="http://schemas.microsoft.com/office/drawing/2014/main" xmlns="" val="20002"/>
+                      <a16:colId xmlns:a16="http://schemas.microsoft.com/office/drawing/2014/main" val="20002"/>
                     </a:ext>
                   </a:extLst>
                 </a:gridCol>
                 <a:gridCol w="1512168">
                   <a:extLst>
                     <a:ext uri="{9D8B030D-6E8A-4147-A177-3AD203B41FA5}">
-                      <a16:colId xmlns:a16="http://schemas.microsoft.com/office/drawing/2014/main" xmlns="" val="20003"/>
+                      <a16:colId xmlns:a16="http://schemas.microsoft.com/office/drawing/2014/main" val="20003"/>
                     </a:ext>
                   </a:extLst>
                 </a:gridCol>
@@ -4786,7 +4786,7 @@
                 </a:tc>
                 <a:extLst>
                   <a:ext uri="{0D108BD9-81ED-4DB2-BD59-A6C34878D82A}">
-                    <a16:rowId xmlns:a16="http://schemas.microsoft.com/office/drawing/2014/main" xmlns="" val="10000"/>
+                    <a16:rowId xmlns:a16="http://schemas.microsoft.com/office/drawing/2014/main" val="10000"/>
                   </a:ext>
                 </a:extLst>
               </a:tr>
@@ -4853,7 +4853,7 @@
                 </a:tc>
                 <a:extLst>
                   <a:ext uri="{0D108BD9-81ED-4DB2-BD59-A6C34878D82A}">
-                    <a16:rowId xmlns:a16="http://schemas.microsoft.com/office/drawing/2014/main" xmlns="" val="10001"/>
+                    <a16:rowId xmlns:a16="http://schemas.microsoft.com/office/drawing/2014/main" val="10001"/>
                   </a:ext>
                 </a:extLst>
               </a:tr>
@@ -4920,7 +4920,7 @@
                 </a:tc>
                 <a:extLst>
                   <a:ext uri="{0D108BD9-81ED-4DB2-BD59-A6C34878D82A}">
-                    <a16:rowId xmlns:a16="http://schemas.microsoft.com/office/drawing/2014/main" xmlns="" val="10002"/>
+                    <a16:rowId xmlns:a16="http://schemas.microsoft.com/office/drawing/2014/main" val="10002"/>
                   </a:ext>
                 </a:extLst>
               </a:tr>
@@ -4987,7 +4987,7 @@
                 </a:tc>
                 <a:extLst>
                   <a:ext uri="{0D108BD9-81ED-4DB2-BD59-A6C34878D82A}">
-                    <a16:rowId xmlns:a16="http://schemas.microsoft.com/office/drawing/2014/main" xmlns="" val="10003"/>
+                    <a16:rowId xmlns:a16="http://schemas.microsoft.com/office/drawing/2014/main" val="10003"/>
                   </a:ext>
                 </a:extLst>
               </a:tr>
@@ -6575,21 +6575,21 @@
                 <a:gridCol w="1910695">
                   <a:extLst>
                     <a:ext uri="{9D8B030D-6E8A-4147-A177-3AD203B41FA5}">
-                      <a16:colId xmlns:a16="http://schemas.microsoft.com/office/drawing/2014/main" xmlns="" val="20000"/>
+                      <a16:colId xmlns:a16="http://schemas.microsoft.com/office/drawing/2014/main" val="20000"/>
                     </a:ext>
                   </a:extLst>
                 </a:gridCol>
                 <a:gridCol w="3561912">
                   <a:extLst>
                     <a:ext uri="{9D8B030D-6E8A-4147-A177-3AD203B41FA5}">
-                      <a16:colId xmlns:a16="http://schemas.microsoft.com/office/drawing/2014/main" xmlns="" val="20001"/>
+                      <a16:colId xmlns:a16="http://schemas.microsoft.com/office/drawing/2014/main" val="20001"/>
                     </a:ext>
                   </a:extLst>
                 </a:gridCol>
                 <a:gridCol w="2592289">
                   <a:extLst>
                     <a:ext uri="{9D8B030D-6E8A-4147-A177-3AD203B41FA5}">
-                      <a16:colId xmlns:a16="http://schemas.microsoft.com/office/drawing/2014/main" xmlns="" val="20002"/>
+                      <a16:colId xmlns:a16="http://schemas.microsoft.com/office/drawing/2014/main" val="20002"/>
                     </a:ext>
                   </a:extLst>
                 </a:gridCol>
@@ -6642,7 +6642,7 @@
                 </a:tc>
                 <a:extLst>
                   <a:ext uri="{0D108BD9-81ED-4DB2-BD59-A6C34878D82A}">
-                    <a16:rowId xmlns:a16="http://schemas.microsoft.com/office/drawing/2014/main" xmlns="" val="10000"/>
+                    <a16:rowId xmlns:a16="http://schemas.microsoft.com/office/drawing/2014/main" val="10000"/>
                   </a:ext>
                 </a:extLst>
               </a:tr>
@@ -6714,7 +6714,7 @@
                 </a:tc>
                 <a:extLst>
                   <a:ext uri="{0D108BD9-81ED-4DB2-BD59-A6C34878D82A}">
-                    <a16:rowId xmlns:a16="http://schemas.microsoft.com/office/drawing/2014/main" xmlns="" val="10001"/>
+                    <a16:rowId xmlns:a16="http://schemas.microsoft.com/office/drawing/2014/main" val="10001"/>
                   </a:ext>
                 </a:extLst>
               </a:tr>
@@ -6794,7 +6794,7 @@
                 </a:tc>
                 <a:extLst>
                   <a:ext uri="{0D108BD9-81ED-4DB2-BD59-A6C34878D82A}">
-                    <a16:rowId xmlns:a16="http://schemas.microsoft.com/office/drawing/2014/main" xmlns="" val="10002"/>
+                    <a16:rowId xmlns:a16="http://schemas.microsoft.com/office/drawing/2014/main" val="10002"/>
                   </a:ext>
                 </a:extLst>
               </a:tr>
@@ -6882,7 +6882,7 @@
                 </a:tc>
                 <a:extLst>
                   <a:ext uri="{0D108BD9-81ED-4DB2-BD59-A6C34878D82A}">
-                    <a16:rowId xmlns:a16="http://schemas.microsoft.com/office/drawing/2014/main" xmlns="" val="10003"/>
+                    <a16:rowId xmlns:a16="http://schemas.microsoft.com/office/drawing/2014/main" val="10003"/>
                   </a:ext>
                 </a:extLst>
               </a:tr>
@@ -8521,9 +8521,27 @@
                 <a:tableStyleId>{5940675A-B579-460E-94D1-54222C63F5DA}</a:tableStyleId>
               </a:tblPr>
               <a:tblGrid>
-                <a:gridCol w="575803"/>
-                <a:gridCol w="926460"/>
-                <a:gridCol w="641395"/>
+                <a:gridCol w="575803">
+                  <a:extLst>
+                    <a:ext uri="{9D8B030D-6E8A-4147-A177-3AD203B41FA5}">
+                      <a16:colId xmlns:a16="http://schemas.microsoft.com/office/drawing/2014/main" val="20000"/>
+                    </a:ext>
+                  </a:extLst>
+                </a:gridCol>
+                <a:gridCol w="926460">
+                  <a:extLst>
+                    <a:ext uri="{9D8B030D-6E8A-4147-A177-3AD203B41FA5}">
+                      <a16:colId xmlns:a16="http://schemas.microsoft.com/office/drawing/2014/main" val="20001"/>
+                    </a:ext>
+                  </a:extLst>
+                </a:gridCol>
+                <a:gridCol w="641395">
+                  <a:extLst>
+                    <a:ext uri="{9D8B030D-6E8A-4147-A177-3AD203B41FA5}">
+                      <a16:colId xmlns:a16="http://schemas.microsoft.com/office/drawing/2014/main" val="20002"/>
+                    </a:ext>
+                  </a:extLst>
+                </a:gridCol>
               </a:tblGrid>
               <a:tr h="357190">
                 <a:tc>
@@ -8571,6 +8589,11 @@
                   </a:txBody>
                   <a:tcPr marL="84406" marR="84406"/>
                 </a:tc>
+                <a:extLst>
+                  <a:ext uri="{0D108BD9-81ED-4DB2-BD59-A6C34878D82A}">
+                    <a16:rowId xmlns:a16="http://schemas.microsoft.com/office/drawing/2014/main" val="10000"/>
+                  </a:ext>
+                </a:extLst>
               </a:tr>
             </a:tbl>
           </a:graphicData>
@@ -9247,35 +9270,35 @@
                 <a:gridCol w="1080120">
                   <a:extLst>
                     <a:ext uri="{9D8B030D-6E8A-4147-A177-3AD203B41FA5}">
-                      <a16:colId xmlns:a16="http://schemas.microsoft.com/office/drawing/2014/main" xmlns="" val="20000"/>
+                      <a16:colId xmlns:a16="http://schemas.microsoft.com/office/drawing/2014/main" val="20000"/>
                     </a:ext>
                   </a:extLst>
                 </a:gridCol>
                 <a:gridCol w="1080120">
                   <a:extLst>
                     <a:ext uri="{9D8B030D-6E8A-4147-A177-3AD203B41FA5}">
-                      <a16:colId xmlns:a16="http://schemas.microsoft.com/office/drawing/2014/main" xmlns="" val="20001"/>
+                      <a16:colId xmlns:a16="http://schemas.microsoft.com/office/drawing/2014/main" val="20001"/>
                     </a:ext>
                   </a:extLst>
                 </a:gridCol>
                 <a:gridCol w="1008112">
                   <a:extLst>
                     <a:ext uri="{9D8B030D-6E8A-4147-A177-3AD203B41FA5}">
-                      <a16:colId xmlns:a16="http://schemas.microsoft.com/office/drawing/2014/main" xmlns="" val="20002"/>
+                      <a16:colId xmlns:a16="http://schemas.microsoft.com/office/drawing/2014/main" val="20002"/>
                     </a:ext>
                   </a:extLst>
                 </a:gridCol>
                 <a:gridCol w="1008112">
                   <a:extLst>
                     <a:ext uri="{9D8B030D-6E8A-4147-A177-3AD203B41FA5}">
-                      <a16:colId xmlns:a16="http://schemas.microsoft.com/office/drawing/2014/main" xmlns="" val="20003"/>
+                      <a16:colId xmlns:a16="http://schemas.microsoft.com/office/drawing/2014/main" val="20003"/>
                     </a:ext>
                   </a:extLst>
                 </a:gridCol>
                 <a:gridCol w="792088">
                   <a:extLst>
                     <a:ext uri="{9D8B030D-6E8A-4147-A177-3AD203B41FA5}">
-                      <a16:colId xmlns:a16="http://schemas.microsoft.com/office/drawing/2014/main" xmlns="" val="20004"/>
+                      <a16:colId xmlns:a16="http://schemas.microsoft.com/office/drawing/2014/main" val="20004"/>
                     </a:ext>
                   </a:extLst>
                 </a:gridCol>
@@ -9358,7 +9381,7 @@
                 </a:tc>
                 <a:extLst>
                   <a:ext uri="{0D108BD9-81ED-4DB2-BD59-A6C34878D82A}">
-                    <a16:rowId xmlns:a16="http://schemas.microsoft.com/office/drawing/2014/main" xmlns="" val="10000"/>
+                    <a16:rowId xmlns:a16="http://schemas.microsoft.com/office/drawing/2014/main" val="10000"/>
                   </a:ext>
                 </a:extLst>
               </a:tr>
@@ -9440,7 +9463,7 @@
                 </a:tc>
                 <a:extLst>
                   <a:ext uri="{0D108BD9-81ED-4DB2-BD59-A6C34878D82A}">
-                    <a16:rowId xmlns:a16="http://schemas.microsoft.com/office/drawing/2014/main" xmlns="" val="10001"/>
+                    <a16:rowId xmlns:a16="http://schemas.microsoft.com/office/drawing/2014/main" val="10001"/>
                   </a:ext>
                 </a:extLst>
               </a:tr>
@@ -9522,7 +9545,7 @@
                 </a:tc>
                 <a:extLst>
                   <a:ext uri="{0D108BD9-81ED-4DB2-BD59-A6C34878D82A}">
-                    <a16:rowId xmlns:a16="http://schemas.microsoft.com/office/drawing/2014/main" xmlns="" val="10002"/>
+                    <a16:rowId xmlns:a16="http://schemas.microsoft.com/office/drawing/2014/main" val="10002"/>
                   </a:ext>
                 </a:extLst>
               </a:tr>
@@ -9604,7 +9627,7 @@
                 </a:tc>
                 <a:extLst>
                   <a:ext uri="{0D108BD9-81ED-4DB2-BD59-A6C34878D82A}">
-                    <a16:rowId xmlns:a16="http://schemas.microsoft.com/office/drawing/2014/main" xmlns="" val="10003"/>
+                    <a16:rowId xmlns:a16="http://schemas.microsoft.com/office/drawing/2014/main" val="10003"/>
                   </a:ext>
                 </a:extLst>
               </a:tr>
@@ -9686,7 +9709,7 @@
                 </a:tc>
                 <a:extLst>
                   <a:ext uri="{0D108BD9-81ED-4DB2-BD59-A6C34878D82A}">
-                    <a16:rowId xmlns:a16="http://schemas.microsoft.com/office/drawing/2014/main" xmlns="" val="10004"/>
+                    <a16:rowId xmlns:a16="http://schemas.microsoft.com/office/drawing/2014/main" val="10004"/>
                   </a:ext>
                 </a:extLst>
               </a:tr>
@@ -9722,7 +9745,7 @@
                 <a:gridCol w="1296144">
                   <a:extLst>
                     <a:ext uri="{9D8B030D-6E8A-4147-A177-3AD203B41FA5}">
-                      <a16:colId xmlns:a16="http://schemas.microsoft.com/office/drawing/2014/main" xmlns="" val="20000"/>
+                      <a16:colId xmlns:a16="http://schemas.microsoft.com/office/drawing/2014/main" val="20000"/>
                     </a:ext>
                   </a:extLst>
                 </a:gridCol>
@@ -9745,7 +9768,7 @@
                 </a:tc>
                 <a:extLst>
                   <a:ext uri="{0D108BD9-81ED-4DB2-BD59-A6C34878D82A}">
-                    <a16:rowId xmlns:a16="http://schemas.microsoft.com/office/drawing/2014/main" xmlns="" val="10000"/>
+                    <a16:rowId xmlns:a16="http://schemas.microsoft.com/office/drawing/2014/main" val="10000"/>
                   </a:ext>
                 </a:extLst>
               </a:tr>
@@ -9767,7 +9790,7 @@
                 </a:tc>
                 <a:extLst>
                   <a:ext uri="{0D108BD9-81ED-4DB2-BD59-A6C34878D82A}">
-                    <a16:rowId xmlns:a16="http://schemas.microsoft.com/office/drawing/2014/main" xmlns="" val="10001"/>
+                    <a16:rowId xmlns:a16="http://schemas.microsoft.com/office/drawing/2014/main" val="10001"/>
                   </a:ext>
                 </a:extLst>
               </a:tr>
@@ -9789,7 +9812,7 @@
                 </a:tc>
                 <a:extLst>
                   <a:ext uri="{0D108BD9-81ED-4DB2-BD59-A6C34878D82A}">
-                    <a16:rowId xmlns:a16="http://schemas.microsoft.com/office/drawing/2014/main" xmlns="" val="10002"/>
+                    <a16:rowId xmlns:a16="http://schemas.microsoft.com/office/drawing/2014/main" val="10002"/>
                   </a:ext>
                 </a:extLst>
               </a:tr>
@@ -9811,7 +9834,7 @@
                 </a:tc>
                 <a:extLst>
                   <a:ext uri="{0D108BD9-81ED-4DB2-BD59-A6C34878D82A}">
-                    <a16:rowId xmlns:a16="http://schemas.microsoft.com/office/drawing/2014/main" xmlns="" val="10003"/>
+                    <a16:rowId xmlns:a16="http://schemas.microsoft.com/office/drawing/2014/main" val="10003"/>
                   </a:ext>
                 </a:extLst>
               </a:tr>
@@ -9833,7 +9856,7 @@
                 </a:tc>
                 <a:extLst>
                   <a:ext uri="{0D108BD9-81ED-4DB2-BD59-A6C34878D82A}">
-                    <a16:rowId xmlns:a16="http://schemas.microsoft.com/office/drawing/2014/main" xmlns="" val="10004"/>
+                    <a16:rowId xmlns:a16="http://schemas.microsoft.com/office/drawing/2014/main" val="10004"/>
                   </a:ext>
                 </a:extLst>
               </a:tr>
@@ -9855,7 +9878,7 @@
                 </a:tc>
                 <a:extLst>
                   <a:ext uri="{0D108BD9-81ED-4DB2-BD59-A6C34878D82A}">
-                    <a16:rowId xmlns:a16="http://schemas.microsoft.com/office/drawing/2014/main" xmlns="" val="10005"/>
+                    <a16:rowId xmlns:a16="http://schemas.microsoft.com/office/drawing/2014/main" val="10005"/>
                   </a:ext>
                 </a:extLst>
               </a:tr>
@@ -10271,28 +10294,28 @@
                 <a:gridCol w="1135988">
                   <a:extLst>
                     <a:ext uri="{9D8B030D-6E8A-4147-A177-3AD203B41FA5}">
-                      <a16:colId xmlns:a16="http://schemas.microsoft.com/office/drawing/2014/main" xmlns="" val="20000"/>
+                      <a16:colId xmlns:a16="http://schemas.microsoft.com/office/drawing/2014/main" val="20000"/>
                     </a:ext>
                   </a:extLst>
                 </a:gridCol>
                 <a:gridCol w="1135988">
                   <a:extLst>
                     <a:ext uri="{9D8B030D-6E8A-4147-A177-3AD203B41FA5}">
-                      <a16:colId xmlns:a16="http://schemas.microsoft.com/office/drawing/2014/main" xmlns="" val="20001"/>
+                      <a16:colId xmlns:a16="http://schemas.microsoft.com/office/drawing/2014/main" val="20001"/>
                     </a:ext>
                   </a:extLst>
                 </a:gridCol>
                 <a:gridCol w="1060256">
                   <a:extLst>
                     <a:ext uri="{9D8B030D-6E8A-4147-A177-3AD203B41FA5}">
-                      <a16:colId xmlns:a16="http://schemas.microsoft.com/office/drawing/2014/main" xmlns="" val="20002"/>
+                      <a16:colId xmlns:a16="http://schemas.microsoft.com/office/drawing/2014/main" val="20002"/>
                     </a:ext>
                   </a:extLst>
                 </a:gridCol>
                 <a:gridCol w="1060256">
                   <a:extLst>
                     <a:ext uri="{9D8B030D-6E8A-4147-A177-3AD203B41FA5}">
-                      <a16:colId xmlns:a16="http://schemas.microsoft.com/office/drawing/2014/main" xmlns="" val="20003"/>
+                      <a16:colId xmlns:a16="http://schemas.microsoft.com/office/drawing/2014/main" val="20003"/>
                     </a:ext>
                   </a:extLst>
                 </a:gridCol>
@@ -10360,7 +10383,7 @@
                 </a:tc>
                 <a:extLst>
                   <a:ext uri="{0D108BD9-81ED-4DB2-BD59-A6C34878D82A}">
-                    <a16:rowId xmlns:a16="http://schemas.microsoft.com/office/drawing/2014/main" xmlns="" val="10000"/>
+                    <a16:rowId xmlns:a16="http://schemas.microsoft.com/office/drawing/2014/main" val="10000"/>
                   </a:ext>
                 </a:extLst>
               </a:tr>
@@ -10427,7 +10450,7 @@
                 </a:tc>
                 <a:extLst>
                   <a:ext uri="{0D108BD9-81ED-4DB2-BD59-A6C34878D82A}">
-                    <a16:rowId xmlns:a16="http://schemas.microsoft.com/office/drawing/2014/main" xmlns="" val="10001"/>
+                    <a16:rowId xmlns:a16="http://schemas.microsoft.com/office/drawing/2014/main" val="10001"/>
                   </a:ext>
                 </a:extLst>
               </a:tr>
@@ -10494,7 +10517,7 @@
                 </a:tc>
                 <a:extLst>
                   <a:ext uri="{0D108BD9-81ED-4DB2-BD59-A6C34878D82A}">
-                    <a16:rowId xmlns:a16="http://schemas.microsoft.com/office/drawing/2014/main" xmlns="" val="10002"/>
+                    <a16:rowId xmlns:a16="http://schemas.microsoft.com/office/drawing/2014/main" val="10002"/>
                   </a:ext>
                 </a:extLst>
               </a:tr>
@@ -10561,7 +10584,7 @@
                 </a:tc>
                 <a:extLst>
                   <a:ext uri="{0D108BD9-81ED-4DB2-BD59-A6C34878D82A}">
-                    <a16:rowId xmlns:a16="http://schemas.microsoft.com/office/drawing/2014/main" xmlns="" val="10003"/>
+                    <a16:rowId xmlns:a16="http://schemas.microsoft.com/office/drawing/2014/main" val="10003"/>
                   </a:ext>
                 </a:extLst>
               </a:tr>
@@ -10628,7 +10651,7 @@
                 </a:tc>
                 <a:extLst>
                   <a:ext uri="{0D108BD9-81ED-4DB2-BD59-A6C34878D82A}">
-                    <a16:rowId xmlns:a16="http://schemas.microsoft.com/office/drawing/2014/main" xmlns="" val="10004"/>
+                    <a16:rowId xmlns:a16="http://schemas.microsoft.com/office/drawing/2014/main" val="10004"/>
                   </a:ext>
                 </a:extLst>
               </a:tr>
@@ -10664,7 +10687,7 @@
                 <a:gridCol w="1296144">
                   <a:extLst>
                     <a:ext uri="{9D8B030D-6E8A-4147-A177-3AD203B41FA5}">
-                      <a16:colId xmlns:a16="http://schemas.microsoft.com/office/drawing/2014/main" xmlns="" val="20000"/>
+                      <a16:colId xmlns:a16="http://schemas.microsoft.com/office/drawing/2014/main" val="20000"/>
                     </a:ext>
                   </a:extLst>
                 </a:gridCol>
@@ -10687,7 +10710,7 @@
                 </a:tc>
                 <a:extLst>
                   <a:ext uri="{0D108BD9-81ED-4DB2-BD59-A6C34878D82A}">
-                    <a16:rowId xmlns:a16="http://schemas.microsoft.com/office/drawing/2014/main" xmlns="" val="10000"/>
+                    <a16:rowId xmlns:a16="http://schemas.microsoft.com/office/drawing/2014/main" val="10000"/>
                   </a:ext>
                 </a:extLst>
               </a:tr>
@@ -10709,7 +10732,7 @@
                 </a:tc>
                 <a:extLst>
                   <a:ext uri="{0D108BD9-81ED-4DB2-BD59-A6C34878D82A}">
-                    <a16:rowId xmlns:a16="http://schemas.microsoft.com/office/drawing/2014/main" xmlns="" val="10001"/>
+                    <a16:rowId xmlns:a16="http://schemas.microsoft.com/office/drawing/2014/main" val="10001"/>
                   </a:ext>
                 </a:extLst>
               </a:tr>
@@ -10731,7 +10754,7 @@
                 </a:tc>
                 <a:extLst>
                   <a:ext uri="{0D108BD9-81ED-4DB2-BD59-A6C34878D82A}">
-                    <a16:rowId xmlns:a16="http://schemas.microsoft.com/office/drawing/2014/main" xmlns="" val="10002"/>
+                    <a16:rowId xmlns:a16="http://schemas.microsoft.com/office/drawing/2014/main" val="10002"/>
                   </a:ext>
                 </a:extLst>
               </a:tr>
@@ -10753,7 +10776,7 @@
                 </a:tc>
                 <a:extLst>
                   <a:ext uri="{0D108BD9-81ED-4DB2-BD59-A6C34878D82A}">
-                    <a16:rowId xmlns:a16="http://schemas.microsoft.com/office/drawing/2014/main" xmlns="" val="10003"/>
+                    <a16:rowId xmlns:a16="http://schemas.microsoft.com/office/drawing/2014/main" val="10003"/>
                   </a:ext>
                 </a:extLst>
               </a:tr>
@@ -10779,7 +10802,7 @@
                 </a:tc>
                 <a:extLst>
                   <a:ext uri="{0D108BD9-81ED-4DB2-BD59-A6C34878D82A}">
-                    <a16:rowId xmlns:a16="http://schemas.microsoft.com/office/drawing/2014/main" xmlns="" val="10004"/>
+                    <a16:rowId xmlns:a16="http://schemas.microsoft.com/office/drawing/2014/main" val="10004"/>
                   </a:ext>
                 </a:extLst>
               </a:tr>
@@ -10931,7 +10954,7 @@
                 <a:gridCol w="1296144">
                   <a:extLst>
                     <a:ext uri="{9D8B030D-6E8A-4147-A177-3AD203B41FA5}">
-                      <a16:colId xmlns:a16="http://schemas.microsoft.com/office/drawing/2014/main" xmlns="" val="20000"/>
+                      <a16:colId xmlns:a16="http://schemas.microsoft.com/office/drawing/2014/main" val="20000"/>
                     </a:ext>
                   </a:extLst>
                 </a:gridCol>
@@ -10954,7 +10977,7 @@
                 </a:tc>
                 <a:extLst>
                   <a:ext uri="{0D108BD9-81ED-4DB2-BD59-A6C34878D82A}">
-                    <a16:rowId xmlns:a16="http://schemas.microsoft.com/office/drawing/2014/main" xmlns="" val="10000"/>
+                    <a16:rowId xmlns:a16="http://schemas.microsoft.com/office/drawing/2014/main" val="10000"/>
                   </a:ext>
                 </a:extLst>
               </a:tr>
@@ -10976,7 +10999,7 @@
                 </a:tc>
                 <a:extLst>
                   <a:ext uri="{0D108BD9-81ED-4DB2-BD59-A6C34878D82A}">
-                    <a16:rowId xmlns:a16="http://schemas.microsoft.com/office/drawing/2014/main" xmlns="" val="10001"/>
+                    <a16:rowId xmlns:a16="http://schemas.microsoft.com/office/drawing/2014/main" val="10001"/>
                   </a:ext>
                 </a:extLst>
               </a:tr>
@@ -11013,7 +11036,7 @@
                 </a:tc>
                 <a:extLst>
                   <a:ext uri="{0D108BD9-81ED-4DB2-BD59-A6C34878D82A}">
-                    <a16:rowId xmlns:a16="http://schemas.microsoft.com/office/drawing/2014/main" xmlns="" val="10002"/>
+                    <a16:rowId xmlns:a16="http://schemas.microsoft.com/office/drawing/2014/main" val="10002"/>
                   </a:ext>
                 </a:extLst>
               </a:tr>
@@ -11050,7 +11073,7 @@
                 </a:tc>
                 <a:extLst>
                   <a:ext uri="{0D108BD9-81ED-4DB2-BD59-A6C34878D82A}">
-                    <a16:rowId xmlns:a16="http://schemas.microsoft.com/office/drawing/2014/main" xmlns="" val="10003"/>
+                    <a16:rowId xmlns:a16="http://schemas.microsoft.com/office/drawing/2014/main" val="10003"/>
                   </a:ext>
                 </a:extLst>
               </a:tr>
@@ -11086,21 +11109,21 @@
                 <a:gridCol w="1135988">
                   <a:extLst>
                     <a:ext uri="{9D8B030D-6E8A-4147-A177-3AD203B41FA5}">
-                      <a16:colId xmlns:a16="http://schemas.microsoft.com/office/drawing/2014/main" xmlns="" val="20000"/>
+                      <a16:colId xmlns:a16="http://schemas.microsoft.com/office/drawing/2014/main" val="20000"/>
                     </a:ext>
                   </a:extLst>
                 </a:gridCol>
                 <a:gridCol w="1060256">
                   <a:extLst>
                     <a:ext uri="{9D8B030D-6E8A-4147-A177-3AD203B41FA5}">
-                      <a16:colId xmlns:a16="http://schemas.microsoft.com/office/drawing/2014/main" xmlns="" val="20001"/>
+                      <a16:colId xmlns:a16="http://schemas.microsoft.com/office/drawing/2014/main" val="20001"/>
                     </a:ext>
                   </a:extLst>
                 </a:gridCol>
                 <a:gridCol w="1060256">
                   <a:extLst>
                     <a:ext uri="{9D8B030D-6E8A-4147-A177-3AD203B41FA5}">
-                      <a16:colId xmlns:a16="http://schemas.microsoft.com/office/drawing/2014/main" xmlns="" val="20002"/>
+                      <a16:colId xmlns:a16="http://schemas.microsoft.com/office/drawing/2014/main" val="20002"/>
                     </a:ext>
                   </a:extLst>
                 </a:gridCol>
@@ -11153,7 +11176,7 @@
                 </a:tc>
                 <a:extLst>
                   <a:ext uri="{0D108BD9-81ED-4DB2-BD59-A6C34878D82A}">
-                    <a16:rowId xmlns:a16="http://schemas.microsoft.com/office/drawing/2014/main" xmlns="" val="10000"/>
+                    <a16:rowId xmlns:a16="http://schemas.microsoft.com/office/drawing/2014/main" val="10000"/>
                   </a:ext>
                 </a:extLst>
               </a:tr>
@@ -11205,7 +11228,7 @@
                 </a:tc>
                 <a:extLst>
                   <a:ext uri="{0D108BD9-81ED-4DB2-BD59-A6C34878D82A}">
-                    <a16:rowId xmlns:a16="http://schemas.microsoft.com/office/drawing/2014/main" xmlns="" val="10001"/>
+                    <a16:rowId xmlns:a16="http://schemas.microsoft.com/office/drawing/2014/main" val="10001"/>
                   </a:ext>
                 </a:extLst>
               </a:tr>
@@ -11257,7 +11280,7 @@
                 </a:tc>
                 <a:extLst>
                   <a:ext uri="{0D108BD9-81ED-4DB2-BD59-A6C34878D82A}">
-                    <a16:rowId xmlns:a16="http://schemas.microsoft.com/office/drawing/2014/main" xmlns="" val="10002"/>
+                    <a16:rowId xmlns:a16="http://schemas.microsoft.com/office/drawing/2014/main" val="10002"/>
                   </a:ext>
                 </a:extLst>
               </a:tr>
@@ -11309,7 +11332,7 @@
                 </a:tc>
                 <a:extLst>
                   <a:ext uri="{0D108BD9-81ED-4DB2-BD59-A6C34878D82A}">
-                    <a16:rowId xmlns:a16="http://schemas.microsoft.com/office/drawing/2014/main" xmlns="" val="10003"/>
+                    <a16:rowId xmlns:a16="http://schemas.microsoft.com/office/drawing/2014/main" val="10003"/>
                   </a:ext>
                 </a:extLst>
               </a:tr>
@@ -13017,7 +13040,7 @@
           <p:cNvPr id="5" name="표 4">
             <a:extLst>
               <a:ext uri="{FF2B5EF4-FFF2-40B4-BE49-F238E27FC236}">
-                <a16:creationId xmlns="" xmlns:a16="http://schemas.microsoft.com/office/drawing/2014/main" id="{A3B353D8-504D-48FB-8D5B-CCF4D1513811}"/>
+                <a16:creationId xmlns:a16="http://schemas.microsoft.com/office/drawing/2014/main" id="{A3B353D8-504D-48FB-8D5B-CCF4D1513811}"/>
               </a:ext>
             </a:extLst>
           </p:cNvPr>
@@ -13046,19 +13069,31 @@
                 <a:gridCol w="1008112">
                   <a:extLst>
                     <a:ext uri="{9D8B030D-6E8A-4147-A177-3AD203B41FA5}">
-                      <a16:colId xmlns="" xmlns:a16="http://schemas.microsoft.com/office/drawing/2014/main" val="1302133471"/>
+                      <a16:colId xmlns:a16="http://schemas.microsoft.com/office/drawing/2014/main" val="1302133471"/>
                     </a:ext>
                   </a:extLst>
                 </a:gridCol>
                 <a:gridCol w="936104">
                   <a:extLst>
                     <a:ext uri="{9D8B030D-6E8A-4147-A177-3AD203B41FA5}">
-                      <a16:colId xmlns="" xmlns:a16="http://schemas.microsoft.com/office/drawing/2014/main" val="3478021724"/>
+                      <a16:colId xmlns:a16="http://schemas.microsoft.com/office/drawing/2014/main" val="3478021724"/>
                     </a:ext>
                   </a:extLst>
                 </a:gridCol>
-                <a:gridCol w="1224136"/>
-                <a:gridCol w="1224136"/>
+                <a:gridCol w="1224136">
+                  <a:extLst>
+                    <a:ext uri="{9D8B030D-6E8A-4147-A177-3AD203B41FA5}">
+                      <a16:colId xmlns:a16="http://schemas.microsoft.com/office/drawing/2014/main" val="20002"/>
+                    </a:ext>
+                  </a:extLst>
+                </a:gridCol>
+                <a:gridCol w="1224136">
+                  <a:extLst>
+                    <a:ext uri="{9D8B030D-6E8A-4147-A177-3AD203B41FA5}">
+                      <a16:colId xmlns:a16="http://schemas.microsoft.com/office/drawing/2014/main" val="20003"/>
+                    </a:ext>
+                  </a:extLst>
+                </a:gridCol>
               </a:tblGrid>
               <a:tr h="302980">
                 <a:tc>
@@ -13327,7 +13362,7 @@
                 </a:tc>
                 <a:extLst>
                   <a:ext uri="{0D108BD9-81ED-4DB2-BD59-A6C34878D82A}">
-                    <a16:rowId xmlns="" xmlns:a16="http://schemas.microsoft.com/office/drawing/2014/main" val="4215197872"/>
+                    <a16:rowId xmlns:a16="http://schemas.microsoft.com/office/drawing/2014/main" val="4215197872"/>
                   </a:ext>
                 </a:extLst>
               </a:tr>
@@ -13630,7 +13665,7 @@
                 </a:tc>
                 <a:extLst>
                   <a:ext uri="{0D108BD9-81ED-4DB2-BD59-A6C34878D82A}">
-                    <a16:rowId xmlns="" xmlns:a16="http://schemas.microsoft.com/office/drawing/2014/main" val="1701167864"/>
+                    <a16:rowId xmlns:a16="http://schemas.microsoft.com/office/drawing/2014/main" val="1701167864"/>
                   </a:ext>
                 </a:extLst>
               </a:tr>
@@ -13939,6 +13974,11 @@
                     </a:lnB>
                   </a:tcPr>
                 </a:tc>
+                <a:extLst>
+                  <a:ext uri="{0D108BD9-81ED-4DB2-BD59-A6C34878D82A}">
+                    <a16:rowId xmlns:a16="http://schemas.microsoft.com/office/drawing/2014/main" val="10002"/>
+                  </a:ext>
+                </a:extLst>
               </a:tr>
               <a:tr h="302980">
                 <a:tc>
@@ -14245,6 +14285,11 @@
                     </a:lnB>
                   </a:tcPr>
                 </a:tc>
+                <a:extLst>
+                  <a:ext uri="{0D108BD9-81ED-4DB2-BD59-A6C34878D82A}">
+                    <a16:rowId xmlns:a16="http://schemas.microsoft.com/office/drawing/2014/main" val="10003"/>
+                  </a:ext>
+                </a:extLst>
               </a:tr>
             </a:tbl>
           </a:graphicData>
@@ -15976,35 +16021,35 @@
                 <a:gridCol w="1080122">
                   <a:extLst>
                     <a:ext uri="{9D8B030D-6E8A-4147-A177-3AD203B41FA5}">
-                      <a16:colId xmlns:a16="http://schemas.microsoft.com/office/drawing/2014/main" xmlns="" val="20000"/>
+                      <a16:colId xmlns:a16="http://schemas.microsoft.com/office/drawing/2014/main" val="20000"/>
                     </a:ext>
                   </a:extLst>
                 </a:gridCol>
                 <a:gridCol w="1152128">
                   <a:extLst>
                     <a:ext uri="{9D8B030D-6E8A-4147-A177-3AD203B41FA5}">
-                      <a16:colId xmlns:a16="http://schemas.microsoft.com/office/drawing/2014/main" xmlns="" val="20001"/>
+                      <a16:colId xmlns:a16="http://schemas.microsoft.com/office/drawing/2014/main" val="20001"/>
                     </a:ext>
                   </a:extLst>
                 </a:gridCol>
                 <a:gridCol w="1552171">
                   <a:extLst>
                     <a:ext uri="{9D8B030D-6E8A-4147-A177-3AD203B41FA5}">
-                      <a16:colId xmlns:a16="http://schemas.microsoft.com/office/drawing/2014/main" xmlns="" val="20002"/>
+                      <a16:colId xmlns:a16="http://schemas.microsoft.com/office/drawing/2014/main" val="20002"/>
                     </a:ext>
                   </a:extLst>
                 </a:gridCol>
                 <a:gridCol w="1204135">
                   <a:extLst>
                     <a:ext uri="{9D8B030D-6E8A-4147-A177-3AD203B41FA5}">
-                      <a16:colId xmlns:a16="http://schemas.microsoft.com/office/drawing/2014/main" xmlns="" val="20003"/>
+                      <a16:colId xmlns:a16="http://schemas.microsoft.com/office/drawing/2014/main" val="20003"/>
                     </a:ext>
                   </a:extLst>
                 </a:gridCol>
                 <a:gridCol w="1204135">
                   <a:extLst>
                     <a:ext uri="{9D8B030D-6E8A-4147-A177-3AD203B41FA5}">
-                      <a16:colId xmlns:a16="http://schemas.microsoft.com/office/drawing/2014/main" xmlns="" val="20004"/>
+                      <a16:colId xmlns:a16="http://schemas.microsoft.com/office/drawing/2014/main" val="20004"/>
                     </a:ext>
                   </a:extLst>
                 </a:gridCol>
@@ -16087,7 +16132,7 @@
                 </a:tc>
                 <a:extLst>
                   <a:ext uri="{0D108BD9-81ED-4DB2-BD59-A6C34878D82A}">
-                    <a16:rowId xmlns:a16="http://schemas.microsoft.com/office/drawing/2014/main" xmlns="" val="10000"/>
+                    <a16:rowId xmlns:a16="http://schemas.microsoft.com/office/drawing/2014/main" val="10000"/>
                   </a:ext>
                 </a:extLst>
               </a:tr>
@@ -16169,7 +16214,7 @@
                 </a:tc>
                 <a:extLst>
                   <a:ext uri="{0D108BD9-81ED-4DB2-BD59-A6C34878D82A}">
-                    <a16:rowId xmlns:a16="http://schemas.microsoft.com/office/drawing/2014/main" xmlns="" val="10001"/>
+                    <a16:rowId xmlns:a16="http://schemas.microsoft.com/office/drawing/2014/main" val="10001"/>
                   </a:ext>
                 </a:extLst>
               </a:tr>
@@ -16251,7 +16296,7 @@
                 </a:tc>
                 <a:extLst>
                   <a:ext uri="{0D108BD9-81ED-4DB2-BD59-A6C34878D82A}">
-                    <a16:rowId xmlns:a16="http://schemas.microsoft.com/office/drawing/2014/main" xmlns="" val="10002"/>
+                    <a16:rowId xmlns:a16="http://schemas.microsoft.com/office/drawing/2014/main" val="10002"/>
                   </a:ext>
                 </a:extLst>
               </a:tr>
@@ -16349,7 +16394,7 @@
                 </a:tc>
                 <a:extLst>
                   <a:ext uri="{0D108BD9-81ED-4DB2-BD59-A6C34878D82A}">
-                    <a16:rowId xmlns:a16="http://schemas.microsoft.com/office/drawing/2014/main" xmlns="" val="10003"/>
+                    <a16:rowId xmlns:a16="http://schemas.microsoft.com/office/drawing/2014/main" val="10003"/>
                   </a:ext>
                 </a:extLst>
               </a:tr>
@@ -16447,7 +16492,7 @@
                 </a:tc>
                 <a:extLst>
                   <a:ext uri="{0D108BD9-81ED-4DB2-BD59-A6C34878D82A}">
-                    <a16:rowId xmlns:a16="http://schemas.microsoft.com/office/drawing/2014/main" xmlns="" val="10004"/>
+                    <a16:rowId xmlns:a16="http://schemas.microsoft.com/office/drawing/2014/main" val="10004"/>
                   </a:ext>
                 </a:extLst>
               </a:tr>
@@ -16529,21 +16574,21 @@
                 <a:gridCol w="1135988">
                   <a:extLst>
                     <a:ext uri="{9D8B030D-6E8A-4147-A177-3AD203B41FA5}">
-                      <a16:colId xmlns:a16="http://schemas.microsoft.com/office/drawing/2014/main" xmlns="" val="20000"/>
+                      <a16:colId xmlns:a16="http://schemas.microsoft.com/office/drawing/2014/main" val="20000"/>
                     </a:ext>
                   </a:extLst>
                 </a:gridCol>
                 <a:gridCol w="1060256">
                   <a:extLst>
                     <a:ext uri="{9D8B030D-6E8A-4147-A177-3AD203B41FA5}">
-                      <a16:colId xmlns:a16="http://schemas.microsoft.com/office/drawing/2014/main" xmlns="" val="20001"/>
+                      <a16:colId xmlns:a16="http://schemas.microsoft.com/office/drawing/2014/main" val="20001"/>
                     </a:ext>
                   </a:extLst>
                 </a:gridCol>
                 <a:gridCol w="1060256">
                   <a:extLst>
                     <a:ext uri="{9D8B030D-6E8A-4147-A177-3AD203B41FA5}">
-                      <a16:colId xmlns:a16="http://schemas.microsoft.com/office/drawing/2014/main" xmlns="" val="20002"/>
+                      <a16:colId xmlns:a16="http://schemas.microsoft.com/office/drawing/2014/main" val="20002"/>
                     </a:ext>
                   </a:extLst>
                 </a:gridCol>
@@ -16596,7 +16641,7 @@
                 </a:tc>
                 <a:extLst>
                   <a:ext uri="{0D108BD9-81ED-4DB2-BD59-A6C34878D82A}">
-                    <a16:rowId xmlns:a16="http://schemas.microsoft.com/office/drawing/2014/main" xmlns="" val="10000"/>
+                    <a16:rowId xmlns:a16="http://schemas.microsoft.com/office/drawing/2014/main" val="10000"/>
                   </a:ext>
                 </a:extLst>
               </a:tr>
@@ -16648,7 +16693,7 @@
                 </a:tc>
                 <a:extLst>
                   <a:ext uri="{0D108BD9-81ED-4DB2-BD59-A6C34878D82A}">
-                    <a16:rowId xmlns:a16="http://schemas.microsoft.com/office/drawing/2014/main" xmlns="" val="10001"/>
+                    <a16:rowId xmlns:a16="http://schemas.microsoft.com/office/drawing/2014/main" val="10001"/>
                   </a:ext>
                 </a:extLst>
               </a:tr>
@@ -16700,7 +16745,7 @@
                 </a:tc>
                 <a:extLst>
                   <a:ext uri="{0D108BD9-81ED-4DB2-BD59-A6C34878D82A}">
-                    <a16:rowId xmlns:a16="http://schemas.microsoft.com/office/drawing/2014/main" xmlns="" val="10002"/>
+                    <a16:rowId xmlns:a16="http://schemas.microsoft.com/office/drawing/2014/main" val="10002"/>
                   </a:ext>
                 </a:extLst>
               </a:tr>
@@ -16752,7 +16797,7 @@
                 </a:tc>
                 <a:extLst>
                   <a:ext uri="{0D108BD9-81ED-4DB2-BD59-A6C34878D82A}">
-                    <a16:rowId xmlns:a16="http://schemas.microsoft.com/office/drawing/2014/main" xmlns="" val="10003"/>
+                    <a16:rowId xmlns:a16="http://schemas.microsoft.com/office/drawing/2014/main" val="10003"/>
                   </a:ext>
                 </a:extLst>
               </a:tr>
@@ -17409,14 +17454,14 @@
                 <a:gridCol w="2946010">
                   <a:extLst>
                     <a:ext uri="{9D8B030D-6E8A-4147-A177-3AD203B41FA5}">
-                      <a16:colId xmlns:a16="http://schemas.microsoft.com/office/drawing/2014/main" xmlns="" val="20000"/>
+                      <a16:colId xmlns:a16="http://schemas.microsoft.com/office/drawing/2014/main" val="20000"/>
                     </a:ext>
                   </a:extLst>
                 </a:gridCol>
                 <a:gridCol w="4520153">
                   <a:extLst>
                     <a:ext uri="{9D8B030D-6E8A-4147-A177-3AD203B41FA5}">
-                      <a16:colId xmlns:a16="http://schemas.microsoft.com/office/drawing/2014/main" xmlns="" val="20001"/>
+                      <a16:colId xmlns:a16="http://schemas.microsoft.com/office/drawing/2014/main" val="20001"/>
                     </a:ext>
                   </a:extLst>
                 </a:gridCol>
@@ -17454,7 +17499,7 @@
                 </a:tc>
                 <a:extLst>
                   <a:ext uri="{0D108BD9-81ED-4DB2-BD59-A6C34878D82A}">
-                    <a16:rowId xmlns:a16="http://schemas.microsoft.com/office/drawing/2014/main" xmlns="" val="10000"/>
+                    <a16:rowId xmlns:a16="http://schemas.microsoft.com/office/drawing/2014/main" val="10000"/>
                   </a:ext>
                 </a:extLst>
               </a:tr>
@@ -17527,7 +17572,7 @@
                 </a:tc>
                 <a:extLst>
                   <a:ext uri="{0D108BD9-81ED-4DB2-BD59-A6C34878D82A}">
-                    <a16:rowId xmlns:a16="http://schemas.microsoft.com/office/drawing/2014/main" xmlns="" val="10001"/>
+                    <a16:rowId xmlns:a16="http://schemas.microsoft.com/office/drawing/2014/main" val="10001"/>
                   </a:ext>
                 </a:extLst>
               </a:tr>
@@ -17608,7 +17653,7 @@
                 </a:tc>
                 <a:extLst>
                   <a:ext uri="{0D108BD9-81ED-4DB2-BD59-A6C34878D82A}">
-                    <a16:rowId xmlns:a16="http://schemas.microsoft.com/office/drawing/2014/main" xmlns="" val="10002"/>
+                    <a16:rowId xmlns:a16="http://schemas.microsoft.com/office/drawing/2014/main" val="10002"/>
                   </a:ext>
                 </a:extLst>
               </a:tr>
@@ -17664,7 +17709,7 @@
                 </a:tc>
                 <a:extLst>
                   <a:ext uri="{0D108BD9-81ED-4DB2-BD59-A6C34878D82A}">
-                    <a16:rowId xmlns:a16="http://schemas.microsoft.com/office/drawing/2014/main" xmlns="" val="10003"/>
+                    <a16:rowId xmlns:a16="http://schemas.microsoft.com/office/drawing/2014/main" val="10003"/>
                   </a:ext>
                 </a:extLst>
               </a:tr>
@@ -21076,7 +21121,7 @@
           <p:cNvPr id="7" name="표 6">
             <a:extLst>
               <a:ext uri="{FF2B5EF4-FFF2-40B4-BE49-F238E27FC236}">
-                <a16:creationId xmlns="" xmlns:a16="http://schemas.microsoft.com/office/drawing/2014/main" id="{A3B353D8-504D-48FB-8D5B-CCF4D1513811}"/>
+                <a16:creationId xmlns:a16="http://schemas.microsoft.com/office/drawing/2014/main" id="{A3B353D8-504D-48FB-8D5B-CCF4D1513811}"/>
               </a:ext>
             </a:extLst>
           </p:cNvPr>
@@ -21105,19 +21150,31 @@
                 <a:gridCol w="1008112">
                   <a:extLst>
                     <a:ext uri="{9D8B030D-6E8A-4147-A177-3AD203B41FA5}">
-                      <a16:colId xmlns="" xmlns:a16="http://schemas.microsoft.com/office/drawing/2014/main" val="1302133471"/>
+                      <a16:colId xmlns:a16="http://schemas.microsoft.com/office/drawing/2014/main" val="1302133471"/>
                     </a:ext>
                   </a:extLst>
                 </a:gridCol>
                 <a:gridCol w="936104">
                   <a:extLst>
                     <a:ext uri="{9D8B030D-6E8A-4147-A177-3AD203B41FA5}">
-                      <a16:colId xmlns="" xmlns:a16="http://schemas.microsoft.com/office/drawing/2014/main" val="3478021724"/>
+                      <a16:colId xmlns:a16="http://schemas.microsoft.com/office/drawing/2014/main" val="3478021724"/>
                     </a:ext>
                   </a:extLst>
                 </a:gridCol>
-                <a:gridCol w="1224136"/>
-                <a:gridCol w="1224136"/>
+                <a:gridCol w="1224136">
+                  <a:extLst>
+                    <a:ext uri="{9D8B030D-6E8A-4147-A177-3AD203B41FA5}">
+                      <a16:colId xmlns:a16="http://schemas.microsoft.com/office/drawing/2014/main" val="20002"/>
+                    </a:ext>
+                  </a:extLst>
+                </a:gridCol>
+                <a:gridCol w="1224136">
+                  <a:extLst>
+                    <a:ext uri="{9D8B030D-6E8A-4147-A177-3AD203B41FA5}">
+                      <a16:colId xmlns:a16="http://schemas.microsoft.com/office/drawing/2014/main" val="20003"/>
+                    </a:ext>
+                  </a:extLst>
+                </a:gridCol>
               </a:tblGrid>
               <a:tr h="404782">
                 <a:tc>
@@ -21386,7 +21443,7 @@
                 </a:tc>
                 <a:extLst>
                   <a:ext uri="{0D108BD9-81ED-4DB2-BD59-A6C34878D82A}">
-                    <a16:rowId xmlns="" xmlns:a16="http://schemas.microsoft.com/office/drawing/2014/main" val="4215197872"/>
+                    <a16:rowId xmlns:a16="http://schemas.microsoft.com/office/drawing/2014/main" val="4215197872"/>
                   </a:ext>
                 </a:extLst>
               </a:tr>
@@ -21689,7 +21746,7 @@
                 </a:tc>
                 <a:extLst>
                   <a:ext uri="{0D108BD9-81ED-4DB2-BD59-A6C34878D82A}">
-                    <a16:rowId xmlns="" xmlns:a16="http://schemas.microsoft.com/office/drawing/2014/main" val="1701167864"/>
+                    <a16:rowId xmlns:a16="http://schemas.microsoft.com/office/drawing/2014/main" val="1701167864"/>
                   </a:ext>
                 </a:extLst>
               </a:tr>
@@ -21998,6 +22055,11 @@
                     </a:lnB>
                   </a:tcPr>
                 </a:tc>
+                <a:extLst>
+                  <a:ext uri="{0D108BD9-81ED-4DB2-BD59-A6C34878D82A}">
+                    <a16:rowId xmlns:a16="http://schemas.microsoft.com/office/drawing/2014/main" val="10002"/>
+                  </a:ext>
+                </a:extLst>
               </a:tr>
               <a:tr h="404782">
                 <a:tc>
@@ -22304,6 +22366,11 @@
                     </a:lnB>
                   </a:tcPr>
                 </a:tc>
+                <a:extLst>
+                  <a:ext uri="{0D108BD9-81ED-4DB2-BD59-A6C34878D82A}">
+                    <a16:rowId xmlns:a16="http://schemas.microsoft.com/office/drawing/2014/main" val="10003"/>
+                  </a:ext>
+                </a:extLst>
               </a:tr>
             </a:tbl>
           </a:graphicData>
@@ -22344,7 +22411,7 @@
           <p:cNvPr id="9" name="표 8">
             <a:extLst>
               <a:ext uri="{FF2B5EF4-FFF2-40B4-BE49-F238E27FC236}">
-                <a16:creationId xmlns="" xmlns:a16="http://schemas.microsoft.com/office/drawing/2014/main" id="{A3B353D8-504D-48FB-8D5B-CCF4D1513811}"/>
+                <a16:creationId xmlns:a16="http://schemas.microsoft.com/office/drawing/2014/main" id="{A3B353D8-504D-48FB-8D5B-CCF4D1513811}"/>
               </a:ext>
             </a:extLst>
           </p:cNvPr>
@@ -22373,18 +22440,24 @@
                 <a:gridCol w="1080120">
                   <a:extLst>
                     <a:ext uri="{9D8B030D-6E8A-4147-A177-3AD203B41FA5}">
-                      <a16:colId xmlns="" xmlns:a16="http://schemas.microsoft.com/office/drawing/2014/main" val="1302133471"/>
+                      <a16:colId xmlns:a16="http://schemas.microsoft.com/office/drawing/2014/main" val="1302133471"/>
                     </a:ext>
                   </a:extLst>
                 </a:gridCol>
                 <a:gridCol w="1381245">
                   <a:extLst>
                     <a:ext uri="{9D8B030D-6E8A-4147-A177-3AD203B41FA5}">
-                      <a16:colId xmlns="" xmlns:a16="http://schemas.microsoft.com/office/drawing/2014/main" val="3478021724"/>
+                      <a16:colId xmlns:a16="http://schemas.microsoft.com/office/drawing/2014/main" val="3478021724"/>
                     </a:ext>
                   </a:extLst>
                 </a:gridCol>
-                <a:gridCol w="923012"/>
+                <a:gridCol w="923012">
+                  <a:extLst>
+                    <a:ext uri="{9D8B030D-6E8A-4147-A177-3AD203B41FA5}">
+                      <a16:colId xmlns:a16="http://schemas.microsoft.com/office/drawing/2014/main" val="20002"/>
+                    </a:ext>
+                  </a:extLst>
+                </a:gridCol>
               </a:tblGrid>
               <a:tr h="395693">
                 <a:tc>
@@ -22587,7 +22660,7 @@
                 </a:tc>
                 <a:extLst>
                   <a:ext uri="{0D108BD9-81ED-4DB2-BD59-A6C34878D82A}">
-                    <a16:rowId xmlns="" xmlns:a16="http://schemas.microsoft.com/office/drawing/2014/main" val="4215197872"/>
+                    <a16:rowId xmlns:a16="http://schemas.microsoft.com/office/drawing/2014/main" val="4215197872"/>
                   </a:ext>
                 </a:extLst>
               </a:tr>
@@ -22806,7 +22879,7 @@
                 </a:tc>
                 <a:extLst>
                   <a:ext uri="{0D108BD9-81ED-4DB2-BD59-A6C34878D82A}">
-                    <a16:rowId xmlns="" xmlns:a16="http://schemas.microsoft.com/office/drawing/2014/main" val="1701167864"/>
+                    <a16:rowId xmlns:a16="http://schemas.microsoft.com/office/drawing/2014/main" val="1701167864"/>
                   </a:ext>
                 </a:extLst>
               </a:tr>
@@ -23023,6 +23096,11 @@
                     </a:lnB>
                   </a:tcPr>
                 </a:tc>
+                <a:extLst>
+                  <a:ext uri="{0D108BD9-81ED-4DB2-BD59-A6C34878D82A}">
+                    <a16:rowId xmlns:a16="http://schemas.microsoft.com/office/drawing/2014/main" val="10002"/>
+                  </a:ext>
+                </a:extLst>
               </a:tr>
             </a:tbl>
           </a:graphicData>
@@ -23720,7 +23798,7 @@
           <p:cNvPr id="8" name="TextBox 7">
             <a:extLst>
               <a:ext uri="{FF2B5EF4-FFF2-40B4-BE49-F238E27FC236}">
-                <a16:creationId xmlns="" xmlns:a16="http://schemas.microsoft.com/office/drawing/2014/main" id="{D46DD618-61E0-4F40-B204-242CFAF546A3}"/>
+                <a16:creationId xmlns:a16="http://schemas.microsoft.com/office/drawing/2014/main" id="{D46DD618-61E0-4F40-B204-242CFAF546A3}"/>
               </a:ext>
             </a:extLst>
           </p:cNvPr>
@@ -23949,7 +24027,7 @@
           <p:cNvPr id="14" name="TextBox 13">
             <a:extLst>
               <a:ext uri="{FF2B5EF4-FFF2-40B4-BE49-F238E27FC236}">
-                <a16:creationId xmlns="" xmlns:a16="http://schemas.microsoft.com/office/drawing/2014/main" id="{D46DD618-61E0-4F40-B204-242CFAF546A3}"/>
+                <a16:creationId xmlns:a16="http://schemas.microsoft.com/office/drawing/2014/main" id="{D46DD618-61E0-4F40-B204-242CFAF546A3}"/>
               </a:ext>
             </a:extLst>
           </p:cNvPr>
@@ -23988,7 +24066,7 @@
           <p:cNvPr id="16" name="TextBox 15">
             <a:extLst>
               <a:ext uri="{FF2B5EF4-FFF2-40B4-BE49-F238E27FC236}">
-                <a16:creationId xmlns="" xmlns:a16="http://schemas.microsoft.com/office/drawing/2014/main" id="{D46DD618-61E0-4F40-B204-242CFAF546A3}"/>
+                <a16:creationId xmlns:a16="http://schemas.microsoft.com/office/drawing/2014/main" id="{D46DD618-61E0-4F40-B204-242CFAF546A3}"/>
               </a:ext>
             </a:extLst>
           </p:cNvPr>
@@ -24347,7 +24425,7 @@
       </p:sp>
       <p:pic>
         <p:nvPicPr>
-          <p:cNvPr id="3" name="그림 2"/>
+          <p:cNvPr id="5" name="그림 4"/>
           <p:cNvPicPr>
             <a:picLocks noChangeAspect="1"/>
           </p:cNvPicPr>
@@ -24367,8 +24445,8 @@
         </p:blipFill>
         <p:spPr>
           <a:xfrm>
-            <a:off x="1115616" y="1772816"/>
-            <a:ext cx="3199601" cy="2160240"/>
+            <a:off x="1187624" y="1772816"/>
+            <a:ext cx="4525296" cy="2232248"/>
           </a:xfrm>
           <a:prstGeom prst="rect">
             <a:avLst/>
@@ -24382,196 +24460,6 @@
           </a:ln>
         </p:spPr>
       </p:pic>
-      <p:sp>
-        <p:nvSpPr>
-          <p:cNvPr id="11" name="내용 개체 틀 2"/>
-          <p:cNvSpPr txBox="1">
-            <a:spLocks/>
-          </p:cNvSpPr>
-          <p:nvPr/>
-        </p:nvSpPr>
-        <p:spPr>
-          <a:xfrm>
-            <a:off x="768355" y="4164699"/>
-            <a:ext cx="4451717" cy="504056"/>
-          </a:xfrm>
-          <a:prstGeom prst="rect">
-            <a:avLst/>
-          </a:prstGeom>
-        </p:spPr>
-        <p:txBody>
-          <a:bodyPr vert="horz" lIns="91440" tIns="45720" rIns="91440" bIns="45720" rtlCol="0">
-            <a:noAutofit/>
-          </a:bodyPr>
-          <a:lstStyle>
-            <a:lvl1pPr marL="342900" indent="-342900" algn="l" defTabSz="914400" rtl="0" eaLnBrk="1" latinLnBrk="1" hangingPunct="1">
-              <a:spcBef>
-                <a:spcPct val="20000"/>
-              </a:spcBef>
-              <a:buFont typeface="Arial" panose="020B0604020202020204" pitchFamily="34" charset="0"/>
-              <a:buChar char="•"/>
-              <a:defRPr sz="3200" kern="1200">
-                <a:solidFill>
-                  <a:schemeClr val="tx1"/>
-                </a:solidFill>
-                <a:latin typeface="+mn-lt"/>
-                <a:ea typeface="+mn-ea"/>
-                <a:cs typeface="+mn-cs"/>
-              </a:defRPr>
-            </a:lvl1pPr>
-            <a:lvl2pPr marL="742950" indent="-285750" algn="l" defTabSz="914400" rtl="0" eaLnBrk="1" latinLnBrk="1" hangingPunct="1">
-              <a:spcBef>
-                <a:spcPct val="20000"/>
-              </a:spcBef>
-              <a:buFont typeface="Arial" panose="020B0604020202020204" pitchFamily="34" charset="0"/>
-              <a:buChar char="–"/>
-              <a:defRPr sz="2800" kern="1200">
-                <a:solidFill>
-                  <a:schemeClr val="tx1"/>
-                </a:solidFill>
-                <a:latin typeface="+mn-lt"/>
-                <a:ea typeface="+mn-ea"/>
-                <a:cs typeface="+mn-cs"/>
-              </a:defRPr>
-            </a:lvl2pPr>
-            <a:lvl3pPr marL="1143000" indent="-228600" algn="l" defTabSz="914400" rtl="0" eaLnBrk="1" latinLnBrk="1" hangingPunct="1">
-              <a:spcBef>
-                <a:spcPct val="20000"/>
-              </a:spcBef>
-              <a:buFont typeface="Arial" panose="020B0604020202020204" pitchFamily="34" charset="0"/>
-              <a:buChar char="•"/>
-              <a:defRPr sz="2400" kern="1200">
-                <a:solidFill>
-                  <a:schemeClr val="tx1"/>
-                </a:solidFill>
-                <a:latin typeface="+mn-lt"/>
-                <a:ea typeface="+mn-ea"/>
-                <a:cs typeface="+mn-cs"/>
-              </a:defRPr>
-            </a:lvl3pPr>
-            <a:lvl4pPr marL="1600200" indent="-228600" algn="l" defTabSz="914400" rtl="0" eaLnBrk="1" latinLnBrk="1" hangingPunct="1">
-              <a:spcBef>
-                <a:spcPct val="20000"/>
-              </a:spcBef>
-              <a:buFont typeface="Arial" panose="020B0604020202020204" pitchFamily="34" charset="0"/>
-              <a:buChar char="–"/>
-              <a:defRPr sz="2000" kern="1200">
-                <a:solidFill>
-                  <a:schemeClr val="tx1"/>
-                </a:solidFill>
-                <a:latin typeface="+mn-lt"/>
-                <a:ea typeface="+mn-ea"/>
-                <a:cs typeface="+mn-cs"/>
-              </a:defRPr>
-            </a:lvl4pPr>
-            <a:lvl5pPr marL="2057400" indent="-228600" algn="l" defTabSz="914400" rtl="0" eaLnBrk="1" latinLnBrk="1" hangingPunct="1">
-              <a:spcBef>
-                <a:spcPct val="20000"/>
-              </a:spcBef>
-              <a:buFont typeface="Arial" panose="020B0604020202020204" pitchFamily="34" charset="0"/>
-              <a:buChar char="»"/>
-              <a:defRPr sz="2000" kern="1200">
-                <a:solidFill>
-                  <a:schemeClr val="tx1"/>
-                </a:solidFill>
-                <a:latin typeface="+mn-lt"/>
-                <a:ea typeface="+mn-ea"/>
-                <a:cs typeface="+mn-cs"/>
-              </a:defRPr>
-            </a:lvl5pPr>
-            <a:lvl6pPr marL="2514600" indent="-228600" algn="l" defTabSz="914400" rtl="0" eaLnBrk="1" latinLnBrk="1" hangingPunct="1">
-              <a:spcBef>
-                <a:spcPct val="20000"/>
-              </a:spcBef>
-              <a:buFont typeface="Arial" panose="020B0604020202020204" pitchFamily="34" charset="0"/>
-              <a:buChar char="•"/>
-              <a:defRPr sz="2000" kern="1200">
-                <a:solidFill>
-                  <a:schemeClr val="tx1"/>
-                </a:solidFill>
-                <a:latin typeface="+mn-lt"/>
-                <a:ea typeface="+mn-ea"/>
-                <a:cs typeface="+mn-cs"/>
-              </a:defRPr>
-            </a:lvl6pPr>
-            <a:lvl7pPr marL="2971800" indent="-228600" algn="l" defTabSz="914400" rtl="0" eaLnBrk="1" latinLnBrk="1" hangingPunct="1">
-              <a:spcBef>
-                <a:spcPct val="20000"/>
-              </a:spcBef>
-              <a:buFont typeface="Arial" panose="020B0604020202020204" pitchFamily="34" charset="0"/>
-              <a:buChar char="•"/>
-              <a:defRPr sz="2000" kern="1200">
-                <a:solidFill>
-                  <a:schemeClr val="tx1"/>
-                </a:solidFill>
-                <a:latin typeface="+mn-lt"/>
-                <a:ea typeface="+mn-ea"/>
-                <a:cs typeface="+mn-cs"/>
-              </a:defRPr>
-            </a:lvl7pPr>
-            <a:lvl8pPr marL="3429000" indent="-228600" algn="l" defTabSz="914400" rtl="0" eaLnBrk="1" latinLnBrk="1" hangingPunct="1">
-              <a:spcBef>
-                <a:spcPct val="20000"/>
-              </a:spcBef>
-              <a:buFont typeface="Arial" panose="020B0604020202020204" pitchFamily="34" charset="0"/>
-              <a:buChar char="•"/>
-              <a:defRPr sz="2000" kern="1200">
-                <a:solidFill>
-                  <a:schemeClr val="tx1"/>
-                </a:solidFill>
-                <a:latin typeface="+mn-lt"/>
-                <a:ea typeface="+mn-ea"/>
-                <a:cs typeface="+mn-cs"/>
-              </a:defRPr>
-            </a:lvl8pPr>
-            <a:lvl9pPr marL="3886200" indent="-228600" algn="l" defTabSz="914400" rtl="0" eaLnBrk="1" latinLnBrk="1" hangingPunct="1">
-              <a:spcBef>
-                <a:spcPct val="20000"/>
-              </a:spcBef>
-              <a:buFont typeface="Arial" panose="020B0604020202020204" pitchFamily="34" charset="0"/>
-              <a:buChar char="•"/>
-              <a:defRPr sz="2000" kern="1200">
-                <a:solidFill>
-                  <a:schemeClr val="tx1"/>
-                </a:solidFill>
-                <a:latin typeface="+mn-lt"/>
-                <a:ea typeface="+mn-ea"/>
-                <a:cs typeface="+mn-cs"/>
-              </a:defRPr>
-            </a:lvl9pPr>
-          </a:lstStyle>
-          <a:p>
-            <a:pPr marL="0" indent="0">
-              <a:lnSpc>
-                <a:spcPct val="150000"/>
-              </a:lnSpc>
-              <a:buFont typeface="Arial" panose="020B0604020202020204" pitchFamily="34" charset="0"/>
-              <a:buNone/>
-            </a:pPr>
-            <a:r>
-              <a:rPr lang="ko-KR" altLang="en-US" sz="2000" dirty="0" smtClean="0"/>
-              <a:t>  </a:t>
-            </a:r>
-            <a:r>
-              <a:rPr lang="en-US" altLang="ko-KR" sz="2000" dirty="0" smtClean="0"/>
-              <a:t>system </a:t>
-            </a:r>
-            <a:r>
-              <a:rPr lang="ko-KR" altLang="en-US" sz="2000" dirty="0" smtClean="0"/>
-              <a:t>파일 저장하기 </a:t>
-            </a:r>
-            <a:r>
-              <a:rPr lang="en-US" altLang="ko-KR" sz="2000" dirty="0" smtClean="0"/>
-              <a:t>– </a:t>
-            </a:r>
-            <a:r>
-              <a:rPr lang="en-US" altLang="ko-KR" sz="2000" dirty="0" err="1" smtClean="0"/>
-              <a:t>user.sql</a:t>
-            </a:r>
-            <a:endParaRPr lang="en-US" altLang="ko-KR" sz="2000" b="1" dirty="0" smtClean="0"/>
-          </a:p>
-        </p:txBody>
-      </p:sp>
     </p:spTree>
     <p:extLst>
       <p:ext uri="{BB962C8B-B14F-4D97-AF65-F5344CB8AC3E}">
@@ -24721,8 +24609,20 @@
                 <a:tableStyleId>{5940675A-B579-460E-94D1-54222C63F5DA}</a:tableStyleId>
               </a:tblPr>
               <a:tblGrid>
-                <a:gridCol w="1440160"/>
-                <a:gridCol w="6480720"/>
+                <a:gridCol w="1440160">
+                  <a:extLst>
+                    <a:ext uri="{9D8B030D-6E8A-4147-A177-3AD203B41FA5}">
+                      <a16:colId xmlns:a16="http://schemas.microsoft.com/office/drawing/2014/main" val="20000"/>
+                    </a:ext>
+                  </a:extLst>
+                </a:gridCol>
+                <a:gridCol w="6480720">
+                  <a:extLst>
+                    <a:ext uri="{9D8B030D-6E8A-4147-A177-3AD203B41FA5}">
+                      <a16:colId xmlns:a16="http://schemas.microsoft.com/office/drawing/2014/main" val="20001"/>
+                    </a:ext>
+                  </a:extLst>
+                </a:gridCol>
               </a:tblGrid>
               <a:tr h="423047">
                 <a:tc>
@@ -24779,6 +24679,11 @@
                     </a:solidFill>
                   </a:tcPr>
                 </a:tc>
+                <a:extLst>
+                  <a:ext uri="{0D108BD9-81ED-4DB2-BD59-A6C34878D82A}">
+                    <a16:rowId xmlns:a16="http://schemas.microsoft.com/office/drawing/2014/main" val="10000"/>
+                  </a:ext>
+                </a:extLst>
               </a:tr>
               <a:tr h="423047">
                 <a:tc>
@@ -24819,6 +24724,11 @@
                     </a:lnR>
                   </a:tcPr>
                 </a:tc>
+                <a:extLst>
+                  <a:ext uri="{0D108BD9-81ED-4DB2-BD59-A6C34878D82A}">
+                    <a16:rowId xmlns:a16="http://schemas.microsoft.com/office/drawing/2014/main" val="10001"/>
+                  </a:ext>
+                </a:extLst>
               </a:tr>
               <a:tr h="423047">
                 <a:tc>
@@ -24867,6 +24777,11 @@
                     </a:lnR>
                   </a:tcPr>
                 </a:tc>
+                <a:extLst>
+                  <a:ext uri="{0D108BD9-81ED-4DB2-BD59-A6C34878D82A}">
+                    <a16:rowId xmlns:a16="http://schemas.microsoft.com/office/drawing/2014/main" val="10002"/>
+                  </a:ext>
+                </a:extLst>
               </a:tr>
               <a:tr h="423047">
                 <a:tc>
@@ -24907,6 +24822,11 @@
                     </a:lnR>
                   </a:tcPr>
                 </a:tc>
+                <a:extLst>
+                  <a:ext uri="{0D108BD9-81ED-4DB2-BD59-A6C34878D82A}">
+                    <a16:rowId xmlns:a16="http://schemas.microsoft.com/office/drawing/2014/main" val="10003"/>
+                  </a:ext>
+                </a:extLst>
               </a:tr>
               <a:tr h="423047">
                 <a:tc>
@@ -24947,6 +24867,11 @@
                     </a:lnR>
                   </a:tcPr>
                 </a:tc>
+                <a:extLst>
+                  <a:ext uri="{0D108BD9-81ED-4DB2-BD59-A6C34878D82A}">
+                    <a16:rowId xmlns:a16="http://schemas.microsoft.com/office/drawing/2014/main" val="10004"/>
+                  </a:ext>
+                </a:extLst>
               </a:tr>
               <a:tr h="423047">
                 <a:tc>
@@ -24987,6 +24912,11 @@
                     </a:lnR>
                   </a:tcPr>
                 </a:tc>
+                <a:extLst>
+                  <a:ext uri="{0D108BD9-81ED-4DB2-BD59-A6C34878D82A}">
+                    <a16:rowId xmlns:a16="http://schemas.microsoft.com/office/drawing/2014/main" val="10005"/>
+                  </a:ext>
+                </a:extLst>
               </a:tr>
               <a:tr h="423047">
                 <a:tc>
@@ -25027,6 +24957,11 @@
                     </a:lnR>
                   </a:tcPr>
                 </a:tc>
+                <a:extLst>
+                  <a:ext uri="{0D108BD9-81ED-4DB2-BD59-A6C34878D82A}">
+                    <a16:rowId xmlns:a16="http://schemas.microsoft.com/office/drawing/2014/main" val="10006"/>
+                  </a:ext>
+                </a:extLst>
               </a:tr>
               <a:tr h="423047">
                 <a:tc>
@@ -25067,6 +25002,11 @@
                     </a:lnR>
                   </a:tcPr>
                 </a:tc>
+                <a:extLst>
+                  <a:ext uri="{0D108BD9-81ED-4DB2-BD59-A6C34878D82A}">
+                    <a16:rowId xmlns:a16="http://schemas.microsoft.com/office/drawing/2014/main" val="10007"/>
+                  </a:ext>
+                </a:extLst>
               </a:tr>
             </a:tbl>
           </a:graphicData>
@@ -25217,7 +25157,7 @@
       </p:sp>
       <p:pic>
         <p:nvPicPr>
-          <p:cNvPr id="5" name="그림 4"/>
+          <p:cNvPr id="3" name="그림 2"/>
           <p:cNvPicPr>
             <a:picLocks noChangeAspect="1"/>
           </p:cNvPicPr>
@@ -25237,8 +25177,8 @@
         </p:blipFill>
         <p:spPr>
           <a:xfrm>
-            <a:off x="1043608" y="1628800"/>
-            <a:ext cx="2850127" cy="2209992"/>
+            <a:off x="1403648" y="2204864"/>
+            <a:ext cx="5890770" cy="2065199"/>
           </a:xfrm>
           <a:prstGeom prst="rect">
             <a:avLst/>
@@ -25257,7 +25197,7 @@
           <p:cNvPr id="8" name="TextBox 7">
             <a:extLst>
               <a:ext uri="{FF2B5EF4-FFF2-40B4-BE49-F238E27FC236}">
-                <a16:creationId xmlns="" xmlns:a16="http://schemas.microsoft.com/office/drawing/2014/main" id="{D46DD618-61E0-4F40-B204-242CFAF546A3}"/>
+                <a16:creationId xmlns:a16="http://schemas.microsoft.com/office/drawing/2014/main" id="{D46DD618-61E0-4F40-B204-242CFAF546A3}"/>
               </a:ext>
             </a:extLst>
           </p:cNvPr>
@@ -25266,7 +25206,7 @@
         </p:nvSpPr>
         <p:spPr>
           <a:xfrm>
-            <a:off x="768355" y="2060848"/>
+            <a:off x="2915816" y="1907540"/>
             <a:ext cx="339176" cy="369332"/>
           </a:xfrm>
           <a:prstGeom prst="rect">
@@ -25291,59 +25231,16 @@
           </a:p>
         </p:txBody>
       </p:sp>
-      <p:pic>
-        <p:nvPicPr>
-          <p:cNvPr id="6" name="그림 5"/>
-          <p:cNvPicPr>
-            <a:picLocks noChangeAspect="1"/>
-          </p:cNvPicPr>
-          <p:nvPr/>
-        </p:nvPicPr>
-        <p:blipFill>
-          <a:blip r:embed="rId3">
-            <a:extLst>
-              <a:ext uri="{28A0092B-C50C-407E-A947-70E740481C1C}">
-                <a14:useLocalDpi xmlns:a14="http://schemas.microsoft.com/office/drawing/2010/main" val="0"/>
-              </a:ext>
-            </a:extLst>
-          </a:blip>
-          <a:stretch>
-            <a:fillRect/>
-          </a:stretch>
-        </p:blipFill>
-        <p:spPr>
-          <a:xfrm>
-            <a:off x="4302224" y="1628800"/>
-            <a:ext cx="3600400" cy="2576433"/>
-          </a:xfrm>
-          <a:prstGeom prst="rect">
-            <a:avLst/>
-          </a:prstGeom>
-          <a:ln>
-            <a:solidFill>
-              <a:schemeClr val="bg1">
-                <a:lumMod val="85000"/>
-              </a:schemeClr>
-            </a:solidFill>
-          </a:ln>
-        </p:spPr>
-      </p:pic>
       <p:sp>
         <p:nvSpPr>
-          <p:cNvPr id="12" name="TextBox 11">
-            <a:extLst>
-              <a:ext uri="{FF2B5EF4-FFF2-40B4-BE49-F238E27FC236}">
-                <a16:creationId xmlns="" xmlns:a16="http://schemas.microsoft.com/office/drawing/2014/main" id="{D46DD618-61E0-4F40-B204-242CFAF546A3}"/>
-              </a:ext>
-            </a:extLst>
-          </p:cNvPr>
+          <p:cNvPr id="9" name="TextBox 8"/>
           <p:cNvSpPr txBox="1"/>
           <p:nvPr/>
         </p:nvSpPr>
         <p:spPr>
           <a:xfrm>
-            <a:off x="4132636" y="3140968"/>
-            <a:ext cx="339176" cy="369332"/>
+            <a:off x="3131841" y="1772816"/>
+            <a:ext cx="720080" cy="369332"/>
           </a:xfrm>
           <a:prstGeom prst="rect">
             <a:avLst/>
@@ -25357,212 +25254,13 @@
           <a:lstStyle/>
           <a:p>
             <a:r>
-              <a:rPr lang="ko-KR" altLang="en-US" b="1" dirty="0" smtClean="0">
-                <a:solidFill>
-                  <a:srgbClr val="C00000"/>
-                </a:solidFill>
-              </a:rPr>
-              <a:t>②</a:t>
-            </a:r>
-            <a:endParaRPr lang="ko-KR" altLang="en-US" b="1" dirty="0">
-              <a:solidFill>
-                <a:srgbClr val="C00000"/>
-              </a:solidFill>
-            </a:endParaRPr>
+              <a:rPr lang="ko-KR" altLang="en-US" smtClean="0"/>
+              <a:t>클릭</a:t>
+            </a:r>
+            <a:endParaRPr lang="ko-KR" altLang="en-US"/>
           </a:p>
         </p:txBody>
       </p:sp>
-      <p:sp>
-        <p:nvSpPr>
-          <p:cNvPr id="7" name="오른쪽 화살표 6"/>
-          <p:cNvSpPr/>
-          <p:nvPr/>
-        </p:nvSpPr>
-        <p:spPr>
-          <a:xfrm>
-            <a:off x="3909598" y="2733796"/>
-            <a:ext cx="339555" cy="183220"/>
-          </a:xfrm>
-          <a:prstGeom prst="rightArrow">
-            <a:avLst/>
-          </a:prstGeom>
-          <a:ln w="12700"/>
-        </p:spPr>
-        <p:style>
-          <a:lnRef idx="2">
-            <a:schemeClr val="accent1">
-              <a:shade val="50000"/>
-            </a:schemeClr>
-          </a:lnRef>
-          <a:fillRef idx="1">
-            <a:schemeClr val="accent1"/>
-          </a:fillRef>
-          <a:effectRef idx="0">
-            <a:schemeClr val="accent1"/>
-          </a:effectRef>
-          <a:fontRef idx="minor">
-            <a:schemeClr val="lt1"/>
-          </a:fontRef>
-        </p:style>
-        <p:txBody>
-          <a:bodyPr rtlCol="0" anchor="ctr"/>
-          <a:lstStyle/>
-          <a:p>
-            <a:pPr algn="ctr"/>
-            <a:endParaRPr lang="ko-KR" altLang="en-US"/>
-          </a:p>
-        </p:txBody>
-      </p:sp>
-      <p:pic>
-        <p:nvPicPr>
-          <p:cNvPr id="13" name="그림 12"/>
-          <p:cNvPicPr>
-            <a:picLocks noChangeAspect="1"/>
-          </p:cNvPicPr>
-          <p:nvPr/>
-        </p:nvPicPr>
-        <p:blipFill rotWithShape="1">
-          <a:blip r:embed="rId4">
-            <a:extLst>
-              <a:ext uri="{28A0092B-C50C-407E-A947-70E740481C1C}">
-                <a14:useLocalDpi xmlns:a14="http://schemas.microsoft.com/office/drawing/2010/main" val="0"/>
-              </a:ext>
-            </a:extLst>
-          </a:blip>
-          <a:srcRect r="17691"/>
-          <a:stretch/>
-        </p:blipFill>
-        <p:spPr>
-          <a:xfrm>
-            <a:off x="4335491" y="4348066"/>
-            <a:ext cx="3600400" cy="2004234"/>
-          </a:xfrm>
-          <a:prstGeom prst="rect">
-            <a:avLst/>
-          </a:prstGeom>
-          <a:ln>
-            <a:solidFill>
-              <a:schemeClr val="bg1">
-                <a:lumMod val="85000"/>
-              </a:schemeClr>
-            </a:solidFill>
-          </a:ln>
-        </p:spPr>
-      </p:pic>
-      <p:sp>
-        <p:nvSpPr>
-          <p:cNvPr id="14" name="TextBox 13">
-            <a:extLst>
-              <a:ext uri="{FF2B5EF4-FFF2-40B4-BE49-F238E27FC236}">
-                <a16:creationId xmlns="" xmlns:a16="http://schemas.microsoft.com/office/drawing/2014/main" id="{D46DD618-61E0-4F40-B204-242CFAF546A3}"/>
-              </a:ext>
-            </a:extLst>
-          </p:cNvPr>
-          <p:cNvSpPr txBox="1"/>
-          <p:nvPr/>
-        </p:nvSpPr>
-        <p:spPr>
-          <a:xfrm>
-            <a:off x="7380312" y="5589240"/>
-            <a:ext cx="339176" cy="369332"/>
-          </a:xfrm>
-          <a:prstGeom prst="rect">
-            <a:avLst/>
-          </a:prstGeom>
-          <a:noFill/>
-        </p:spPr>
-        <p:txBody>
-          <a:bodyPr wrap="square" rtlCol="0">
-            <a:spAutoFit/>
-          </a:bodyPr>
-          <a:lstStyle/>
-          <a:p>
-            <a:r>
-              <a:rPr lang="ko-KR" altLang="en-US" b="1" dirty="0" smtClean="0">
-                <a:solidFill>
-                  <a:srgbClr val="C00000"/>
-                </a:solidFill>
-              </a:rPr>
-              <a:t>③</a:t>
-            </a:r>
-            <a:endParaRPr lang="ko-KR" altLang="en-US" b="1" dirty="0">
-              <a:solidFill>
-                <a:srgbClr val="C00000"/>
-              </a:solidFill>
-            </a:endParaRPr>
-          </a:p>
-        </p:txBody>
-      </p:sp>
-      <p:sp>
-        <p:nvSpPr>
-          <p:cNvPr id="15" name="오른쪽 화살표 14"/>
-          <p:cNvSpPr/>
-          <p:nvPr/>
-        </p:nvSpPr>
-        <p:spPr>
-          <a:xfrm flipH="1">
-            <a:off x="3851920" y="5166963"/>
-            <a:ext cx="388728" cy="183220"/>
-          </a:xfrm>
-          <a:prstGeom prst="rightArrow">
-            <a:avLst/>
-          </a:prstGeom>
-          <a:ln w="12700"/>
-        </p:spPr>
-        <p:style>
-          <a:lnRef idx="2">
-            <a:schemeClr val="accent1">
-              <a:shade val="50000"/>
-            </a:schemeClr>
-          </a:lnRef>
-          <a:fillRef idx="1">
-            <a:schemeClr val="accent1"/>
-          </a:fillRef>
-          <a:effectRef idx="0">
-            <a:schemeClr val="accent1"/>
-          </a:effectRef>
-          <a:fontRef idx="minor">
-            <a:schemeClr val="lt1"/>
-          </a:fontRef>
-        </p:style>
-        <p:txBody>
-          <a:bodyPr rtlCol="0" anchor="ctr"/>
-          <a:lstStyle/>
-          <a:p>
-            <a:pPr algn="ctr"/>
-            <a:endParaRPr lang="ko-KR" altLang="en-US"/>
-          </a:p>
-        </p:txBody>
-      </p:sp>
-      <p:pic>
-        <p:nvPicPr>
-          <p:cNvPr id="16" name="그림 15"/>
-          <p:cNvPicPr>
-            <a:picLocks noChangeAspect="1"/>
-          </p:cNvPicPr>
-          <p:nvPr/>
-        </p:nvPicPr>
-        <p:blipFill rotWithShape="1">
-          <a:blip r:embed="rId5">
-            <a:extLst>
-              <a:ext uri="{28A0092B-C50C-407E-A947-70E740481C1C}">
-                <a14:useLocalDpi xmlns:a14="http://schemas.microsoft.com/office/drawing/2010/main" val="0"/>
-              </a:ext>
-            </a:extLst>
-          </a:blip>
-          <a:srcRect t="10992" r="18537"/>
-          <a:stretch/>
-        </p:blipFill>
-        <p:spPr>
-          <a:xfrm>
-            <a:off x="932060" y="3933056"/>
-            <a:ext cx="2872277" cy="2274652"/>
-          </a:xfrm>
-          <a:prstGeom prst="rect">
-            <a:avLst/>
-          </a:prstGeom>
-        </p:spPr>
-      </p:pic>
     </p:spTree>
     <p:extLst>
       <p:ext uri="{BB962C8B-B14F-4D97-AF65-F5344CB8AC3E}">
@@ -26300,14 +25998,14 @@
                 <a:gridCol w="1917872">
                   <a:extLst>
                     <a:ext uri="{9D8B030D-6E8A-4147-A177-3AD203B41FA5}">
-                      <a16:colId xmlns:a16="http://schemas.microsoft.com/office/drawing/2014/main" xmlns="" val="20000"/>
+                      <a16:colId xmlns:a16="http://schemas.microsoft.com/office/drawing/2014/main" val="20000"/>
                     </a:ext>
                   </a:extLst>
                 </a:gridCol>
                 <a:gridCol w="3698752">
                   <a:extLst>
                     <a:ext uri="{9D8B030D-6E8A-4147-A177-3AD203B41FA5}">
-                      <a16:colId xmlns:a16="http://schemas.microsoft.com/office/drawing/2014/main" xmlns="" val="20001"/>
+                      <a16:colId xmlns:a16="http://schemas.microsoft.com/office/drawing/2014/main" val="20001"/>
                     </a:ext>
                   </a:extLst>
                 </a:gridCol>
@@ -26345,7 +26043,7 @@
                 </a:tc>
                 <a:extLst>
                   <a:ext uri="{0D108BD9-81ED-4DB2-BD59-A6C34878D82A}">
-                    <a16:rowId xmlns:a16="http://schemas.microsoft.com/office/drawing/2014/main" xmlns="" val="10000"/>
+                    <a16:rowId xmlns:a16="http://schemas.microsoft.com/office/drawing/2014/main" val="10000"/>
                   </a:ext>
                 </a:extLst>
               </a:tr>
@@ -26384,6 +26082,11 @@
                   </a:txBody>
                   <a:tcPr anchor="ctr"/>
                 </a:tc>
+                <a:extLst>
+                  <a:ext uri="{0D108BD9-81ED-4DB2-BD59-A6C34878D82A}">
+                    <a16:rowId xmlns:a16="http://schemas.microsoft.com/office/drawing/2014/main" val="10003"/>
+                  </a:ext>
+                </a:extLst>
               </a:tr>
               <a:tr h="422216">
                 <a:tc>
@@ -26418,7 +26121,7 @@
                 </a:tc>
                 <a:extLst>
                   <a:ext uri="{0D108BD9-81ED-4DB2-BD59-A6C34878D82A}">
-                    <a16:rowId xmlns:a16="http://schemas.microsoft.com/office/drawing/2014/main" xmlns="" val="10001"/>
+                    <a16:rowId xmlns:a16="http://schemas.microsoft.com/office/drawing/2014/main" val="10001"/>
                   </a:ext>
                 </a:extLst>
               </a:tr>
@@ -26455,7 +26158,7 @@
                 </a:tc>
                 <a:extLst>
                   <a:ext uri="{0D108BD9-81ED-4DB2-BD59-A6C34878D82A}">
-                    <a16:rowId xmlns:a16="http://schemas.microsoft.com/office/drawing/2014/main" xmlns="" val="10002"/>
+                    <a16:rowId xmlns:a16="http://schemas.microsoft.com/office/drawing/2014/main" val="10002"/>
                   </a:ext>
                 </a:extLst>
               </a:tr>
@@ -26559,7 +26262,7 @@
         <p:spPr>
           <a:xfrm>
             <a:off x="1043608" y="1124744"/>
-            <a:ext cx="2520280" cy="504056"/>
+            <a:ext cx="6624736" cy="504056"/>
           </a:xfrm>
         </p:spPr>
         <p:txBody>
@@ -26580,8 +26283,17 @@
             </a:r>
             <a:r>
               <a:rPr lang="en-US" altLang="ko-KR" sz="1800" b="1" dirty="0" smtClean="0"/>
-              <a:t>(Type)</a:t>
-            </a:r>
+              <a:t>(Type</a:t>
+            </a:r>
+            <a:r>
+              <a:rPr lang="en-US" altLang="ko-KR" sz="1800" b="1" dirty="0" smtClean="0"/>
+              <a:t>) – oracle data type </a:t>
+            </a:r>
+            <a:r>
+              <a:rPr lang="ko-KR" altLang="en-US" sz="1800" b="1" dirty="0" smtClean="0"/>
+              <a:t>검색</a:t>
+            </a:r>
+            <a:endParaRPr lang="en-US" altLang="ko-KR" sz="1800" b="1" dirty="0" smtClean="0"/>
           </a:p>
         </p:txBody>
       </p:sp>
@@ -26610,8 +26322,20 @@
                 <a:tableStyleId>{5940675A-B579-460E-94D1-54222C63F5DA}</a:tableStyleId>
               </a:tblPr>
               <a:tblGrid>
-                <a:gridCol w="1785144"/>
-                <a:gridCol w="5487664"/>
+                <a:gridCol w="1785144">
+                  <a:extLst>
+                    <a:ext uri="{9D8B030D-6E8A-4147-A177-3AD203B41FA5}">
+                      <a16:colId xmlns:a16="http://schemas.microsoft.com/office/drawing/2014/main" val="20000"/>
+                    </a:ext>
+                  </a:extLst>
+                </a:gridCol>
+                <a:gridCol w="5487664">
+                  <a:extLst>
+                    <a:ext uri="{9D8B030D-6E8A-4147-A177-3AD203B41FA5}">
+                      <a16:colId xmlns:a16="http://schemas.microsoft.com/office/drawing/2014/main" val="20001"/>
+                    </a:ext>
+                  </a:extLst>
+                </a:gridCol>
               </a:tblGrid>
               <a:tr h="396044">
                 <a:tc>
@@ -26664,6 +26388,11 @@
                     </a:solidFill>
                   </a:tcPr>
                 </a:tc>
+                <a:extLst>
+                  <a:ext uri="{0D108BD9-81ED-4DB2-BD59-A6C34878D82A}">
+                    <a16:rowId xmlns:a16="http://schemas.microsoft.com/office/drawing/2014/main" val="10000"/>
+                  </a:ext>
+                </a:extLst>
               </a:tr>
               <a:tr h="396044">
                 <a:tc>
@@ -26736,6 +26465,11 @@
                     </a:lnR>
                   </a:tcPr>
                 </a:tc>
+                <a:extLst>
+                  <a:ext uri="{0D108BD9-81ED-4DB2-BD59-A6C34878D82A}">
+                    <a16:rowId xmlns:a16="http://schemas.microsoft.com/office/drawing/2014/main" val="10001"/>
+                  </a:ext>
+                </a:extLst>
               </a:tr>
               <a:tr h="396044">
                 <a:tc>
@@ -26824,6 +26558,11 @@
                     </a:lnR>
                   </a:tcPr>
                 </a:tc>
+                <a:extLst>
+                  <a:ext uri="{0D108BD9-81ED-4DB2-BD59-A6C34878D82A}">
+                    <a16:rowId xmlns:a16="http://schemas.microsoft.com/office/drawing/2014/main" val="10002"/>
+                  </a:ext>
+                </a:extLst>
               </a:tr>
               <a:tr h="396044">
                 <a:tc>
@@ -26880,6 +26619,11 @@
                     </a:lnR>
                   </a:tcPr>
                 </a:tc>
+                <a:extLst>
+                  <a:ext uri="{0D108BD9-81ED-4DB2-BD59-A6C34878D82A}">
+                    <a16:rowId xmlns:a16="http://schemas.microsoft.com/office/drawing/2014/main" val="10003"/>
+                  </a:ext>
+                </a:extLst>
               </a:tr>
               <a:tr h="396044">
                 <a:tc>
@@ -26936,6 +26680,11 @@
                     </a:lnR>
                   </a:tcPr>
                 </a:tc>
+                <a:extLst>
+                  <a:ext uri="{0D108BD9-81ED-4DB2-BD59-A6C34878D82A}">
+                    <a16:rowId xmlns:a16="http://schemas.microsoft.com/office/drawing/2014/main" val="10004"/>
+                  </a:ext>
+                </a:extLst>
               </a:tr>
               <a:tr h="396044">
                 <a:tc>
@@ -27008,6 +26757,11 @@
                     </a:lnR>
                   </a:tcPr>
                 </a:tc>
+                <a:extLst>
+                  <a:ext uri="{0D108BD9-81ED-4DB2-BD59-A6C34878D82A}">
+                    <a16:rowId xmlns:a16="http://schemas.microsoft.com/office/drawing/2014/main" val="10005"/>
+                  </a:ext>
+                </a:extLst>
               </a:tr>
               <a:tr h="396044">
                 <a:tc>
@@ -27108,6 +26862,11 @@
                     </a:lnR>
                   </a:tcPr>
                 </a:tc>
+                <a:extLst>
+                  <a:ext uri="{0D108BD9-81ED-4DB2-BD59-A6C34878D82A}">
+                    <a16:rowId xmlns:a16="http://schemas.microsoft.com/office/drawing/2014/main" val="10006"/>
+                  </a:ext>
+                </a:extLst>
               </a:tr>
               <a:tr h="396044">
                 <a:tc>
@@ -27180,6 +26939,11 @@
                     </a:lnR>
                   </a:tcPr>
                 </a:tc>
+                <a:extLst>
+                  <a:ext uri="{0D108BD9-81ED-4DB2-BD59-A6C34878D82A}">
+                    <a16:rowId xmlns:a16="http://schemas.microsoft.com/office/drawing/2014/main" val="10007"/>
+                  </a:ext>
+                </a:extLst>
               </a:tr>
             </a:tbl>
           </a:graphicData>
@@ -27601,14 +27365,14 @@
                 <a:gridCol w="1917872">
                   <a:extLst>
                     <a:ext uri="{9D8B030D-6E8A-4147-A177-3AD203B41FA5}">
-                      <a16:colId xmlns:a16="http://schemas.microsoft.com/office/drawing/2014/main" xmlns="" val="20000"/>
+                      <a16:colId xmlns:a16="http://schemas.microsoft.com/office/drawing/2014/main" val="20000"/>
                     </a:ext>
                   </a:extLst>
                 </a:gridCol>
                 <a:gridCol w="3698752">
                   <a:extLst>
                     <a:ext uri="{9D8B030D-6E8A-4147-A177-3AD203B41FA5}">
-                      <a16:colId xmlns:a16="http://schemas.microsoft.com/office/drawing/2014/main" xmlns="" val="20001"/>
+                      <a16:colId xmlns:a16="http://schemas.microsoft.com/office/drawing/2014/main" val="20001"/>
                     </a:ext>
                   </a:extLst>
                 </a:gridCol>
@@ -27646,7 +27410,7 @@
                 </a:tc>
                 <a:extLst>
                   <a:ext uri="{0D108BD9-81ED-4DB2-BD59-A6C34878D82A}">
-                    <a16:rowId xmlns:a16="http://schemas.microsoft.com/office/drawing/2014/main" xmlns="" val="10000"/>
+                    <a16:rowId xmlns:a16="http://schemas.microsoft.com/office/drawing/2014/main" val="10000"/>
                   </a:ext>
                 </a:extLst>
               </a:tr>
@@ -27685,6 +27449,11 @@
                   </a:txBody>
                   <a:tcPr anchor="ctr"/>
                 </a:tc>
+                <a:extLst>
+                  <a:ext uri="{0D108BD9-81ED-4DB2-BD59-A6C34878D82A}">
+                    <a16:rowId xmlns:a16="http://schemas.microsoft.com/office/drawing/2014/main" val="10004"/>
+                  </a:ext>
+                </a:extLst>
               </a:tr>
               <a:tr h="422216">
                 <a:tc>
@@ -27719,7 +27488,7 @@
                 </a:tc>
                 <a:extLst>
                   <a:ext uri="{0D108BD9-81ED-4DB2-BD59-A6C34878D82A}">
-                    <a16:rowId xmlns:a16="http://schemas.microsoft.com/office/drawing/2014/main" xmlns="" val="10001"/>
+                    <a16:rowId xmlns:a16="http://schemas.microsoft.com/office/drawing/2014/main" val="10001"/>
                   </a:ext>
                 </a:extLst>
               </a:tr>
@@ -27756,7 +27525,7 @@
                 </a:tc>
                 <a:extLst>
                   <a:ext uri="{0D108BD9-81ED-4DB2-BD59-A6C34878D82A}">
-                    <a16:rowId xmlns:a16="http://schemas.microsoft.com/office/drawing/2014/main" xmlns="" val="10002"/>
+                    <a16:rowId xmlns:a16="http://schemas.microsoft.com/office/drawing/2014/main" val="10002"/>
                   </a:ext>
                 </a:extLst>
               </a:tr>
@@ -27793,7 +27562,7 @@
                 </a:tc>
                 <a:extLst>
                   <a:ext uri="{0D108BD9-81ED-4DB2-BD59-A6C34878D82A}">
-                    <a16:rowId xmlns:a16="http://schemas.microsoft.com/office/drawing/2014/main" xmlns="" val="10003"/>
+                    <a16:rowId xmlns:a16="http://schemas.microsoft.com/office/drawing/2014/main" val="10003"/>
                   </a:ext>
                 </a:extLst>
               </a:tr>
@@ -27832,6 +27601,11 @@
                   </a:txBody>
                   <a:tcPr anchor="ctr"/>
                 </a:tc>
+                <a:extLst>
+                  <a:ext uri="{0D108BD9-81ED-4DB2-BD59-A6C34878D82A}">
+                    <a16:rowId xmlns:a16="http://schemas.microsoft.com/office/drawing/2014/main" val="10005"/>
+                  </a:ext>
+                </a:extLst>
               </a:tr>
               <a:tr h="422216">
                 <a:tc>
@@ -27868,6 +27642,11 @@
                   </a:txBody>
                   <a:tcPr anchor="ctr"/>
                 </a:tc>
+                <a:extLst>
+                  <a:ext uri="{0D108BD9-81ED-4DB2-BD59-A6C34878D82A}">
+                    <a16:rowId xmlns:a16="http://schemas.microsoft.com/office/drawing/2014/main" val="10006"/>
+                  </a:ext>
+                </a:extLst>
               </a:tr>
             </a:tbl>
           </a:graphicData>
@@ -36332,16 +36111,13 @@
             </a:r>
             <a:r>
               <a:rPr lang="en-US" altLang="ko-KR" sz="1800" b="1" dirty="0" smtClean="0"/>
-              <a:t>Sequence(</a:t>
+              <a:t>BOARD </a:t>
             </a:r>
             <a:r>
               <a:rPr lang="ko-KR" altLang="en-US" sz="1800" b="1" dirty="0" smtClean="0"/>
-              <a:t>시퀀스</a:t>
-            </a:r>
-            <a:r>
-              <a:rPr lang="en-US" altLang="ko-KR" sz="1800" b="1" dirty="0" smtClean="0"/>
-              <a:t>)</a:t>
-            </a:r>
+              <a:t>테이블에 적용</a:t>
+            </a:r>
+            <a:endParaRPr lang="en-US" altLang="ko-KR" sz="1800" b="1" dirty="0" smtClean="0"/>
           </a:p>
           <a:p>
             <a:pPr marL="0" indent="0">
@@ -36377,8 +36153,8 @@
         </p:blipFill>
         <p:spPr>
           <a:xfrm>
-            <a:off x="1230626" y="1766934"/>
-            <a:ext cx="5928874" cy="3033023"/>
+            <a:off x="1187624" y="1766731"/>
+            <a:ext cx="5959356" cy="3665538"/>
           </a:xfrm>
           <a:prstGeom prst="rect">
             <a:avLst/>
@@ -36395,7 +36171,7 @@
     </p:spTree>
     <p:extLst>
       <p:ext uri="{BB962C8B-B14F-4D97-AF65-F5344CB8AC3E}">
-        <p14:creationId xmlns:p14="http://schemas.microsoft.com/office/powerpoint/2010/main" val="432302171"/>
+        <p14:creationId xmlns:p14="http://schemas.microsoft.com/office/powerpoint/2010/main" val="1581700501"/>
       </p:ext>
     </p:extLst>
   </p:cSld>
@@ -36450,11 +36226,15 @@
             </a:r>
             <a:r>
               <a:rPr lang="ko-KR" altLang="en-US" dirty="0" smtClean="0"/>
-              <a:t>시퀀스 </a:t>
+              <a:t>사용자 </a:t>
             </a:r>
             <a:r>
               <a:rPr lang="en-US" altLang="ko-KR" dirty="0" smtClean="0"/>
-              <a:t>- SEQUENCE</a:t>
+              <a:t>DB </a:t>
+            </a:r>
+            <a:r>
+              <a:rPr lang="ko-KR" altLang="en-US" dirty="0" smtClean="0"/>
+              <a:t>만들기</a:t>
             </a:r>
             <a:endParaRPr lang="ko-KR" altLang="en-US" dirty="0"/>
           </a:p>
@@ -36485,367 +36265,6 @@
       </p:sp>
       <p:sp>
         <p:nvSpPr>
-          <p:cNvPr id="8" name="내용 개체 틀 2"/>
-          <p:cNvSpPr txBox="1">
-            <a:spLocks/>
-          </p:cNvSpPr>
-          <p:nvPr/>
-        </p:nvSpPr>
-        <p:spPr>
-          <a:xfrm>
-            <a:off x="899592" y="1196752"/>
-            <a:ext cx="4824536" cy="576064"/>
-          </a:xfrm>
-          <a:prstGeom prst="rect">
-            <a:avLst/>
-          </a:prstGeom>
-        </p:spPr>
-        <p:txBody>
-          <a:bodyPr vert="horz" lIns="91440" tIns="45720" rIns="91440" bIns="45720" rtlCol="0">
-            <a:noAutofit/>
-          </a:bodyPr>
-          <a:lstStyle>
-            <a:lvl1pPr marL="342900" indent="-342900" algn="l" defTabSz="914400" rtl="0" eaLnBrk="1" latinLnBrk="1" hangingPunct="1">
-              <a:spcBef>
-                <a:spcPct val="20000"/>
-              </a:spcBef>
-              <a:buFont typeface="Arial" panose="020B0604020202020204" pitchFamily="34" charset="0"/>
-              <a:buChar char="•"/>
-              <a:defRPr sz="3200" kern="1200">
-                <a:solidFill>
-                  <a:schemeClr val="tx1"/>
-                </a:solidFill>
-                <a:latin typeface="+mn-lt"/>
-                <a:ea typeface="+mn-ea"/>
-                <a:cs typeface="+mn-cs"/>
-              </a:defRPr>
-            </a:lvl1pPr>
-            <a:lvl2pPr marL="742950" indent="-285750" algn="l" defTabSz="914400" rtl="0" eaLnBrk="1" latinLnBrk="1" hangingPunct="1">
-              <a:spcBef>
-                <a:spcPct val="20000"/>
-              </a:spcBef>
-              <a:buFont typeface="Arial" panose="020B0604020202020204" pitchFamily="34" charset="0"/>
-              <a:buChar char="–"/>
-              <a:defRPr sz="2800" kern="1200">
-                <a:solidFill>
-                  <a:schemeClr val="tx1"/>
-                </a:solidFill>
-                <a:latin typeface="+mn-lt"/>
-                <a:ea typeface="+mn-ea"/>
-                <a:cs typeface="+mn-cs"/>
-              </a:defRPr>
-            </a:lvl2pPr>
-            <a:lvl3pPr marL="1143000" indent="-228600" algn="l" defTabSz="914400" rtl="0" eaLnBrk="1" latinLnBrk="1" hangingPunct="1">
-              <a:spcBef>
-                <a:spcPct val="20000"/>
-              </a:spcBef>
-              <a:buFont typeface="Arial" panose="020B0604020202020204" pitchFamily="34" charset="0"/>
-              <a:buChar char="•"/>
-              <a:defRPr sz="2400" kern="1200">
-                <a:solidFill>
-                  <a:schemeClr val="tx1"/>
-                </a:solidFill>
-                <a:latin typeface="+mn-lt"/>
-                <a:ea typeface="+mn-ea"/>
-                <a:cs typeface="+mn-cs"/>
-              </a:defRPr>
-            </a:lvl3pPr>
-            <a:lvl4pPr marL="1600200" indent="-228600" algn="l" defTabSz="914400" rtl="0" eaLnBrk="1" latinLnBrk="1" hangingPunct="1">
-              <a:spcBef>
-                <a:spcPct val="20000"/>
-              </a:spcBef>
-              <a:buFont typeface="Arial" panose="020B0604020202020204" pitchFamily="34" charset="0"/>
-              <a:buChar char="–"/>
-              <a:defRPr sz="2000" kern="1200">
-                <a:solidFill>
-                  <a:schemeClr val="tx1"/>
-                </a:solidFill>
-                <a:latin typeface="+mn-lt"/>
-                <a:ea typeface="+mn-ea"/>
-                <a:cs typeface="+mn-cs"/>
-              </a:defRPr>
-            </a:lvl4pPr>
-            <a:lvl5pPr marL="2057400" indent="-228600" algn="l" defTabSz="914400" rtl="0" eaLnBrk="1" latinLnBrk="1" hangingPunct="1">
-              <a:spcBef>
-                <a:spcPct val="20000"/>
-              </a:spcBef>
-              <a:buFont typeface="Arial" panose="020B0604020202020204" pitchFamily="34" charset="0"/>
-              <a:buChar char="»"/>
-              <a:defRPr sz="2000" kern="1200">
-                <a:solidFill>
-                  <a:schemeClr val="tx1"/>
-                </a:solidFill>
-                <a:latin typeface="+mn-lt"/>
-                <a:ea typeface="+mn-ea"/>
-                <a:cs typeface="+mn-cs"/>
-              </a:defRPr>
-            </a:lvl5pPr>
-            <a:lvl6pPr marL="2514600" indent="-228600" algn="l" defTabSz="914400" rtl="0" eaLnBrk="1" latinLnBrk="1" hangingPunct="1">
-              <a:spcBef>
-                <a:spcPct val="20000"/>
-              </a:spcBef>
-              <a:buFont typeface="Arial" panose="020B0604020202020204" pitchFamily="34" charset="0"/>
-              <a:buChar char="•"/>
-              <a:defRPr sz="2000" kern="1200">
-                <a:solidFill>
-                  <a:schemeClr val="tx1"/>
-                </a:solidFill>
-                <a:latin typeface="+mn-lt"/>
-                <a:ea typeface="+mn-ea"/>
-                <a:cs typeface="+mn-cs"/>
-              </a:defRPr>
-            </a:lvl6pPr>
-            <a:lvl7pPr marL="2971800" indent="-228600" algn="l" defTabSz="914400" rtl="0" eaLnBrk="1" latinLnBrk="1" hangingPunct="1">
-              <a:spcBef>
-                <a:spcPct val="20000"/>
-              </a:spcBef>
-              <a:buFont typeface="Arial" panose="020B0604020202020204" pitchFamily="34" charset="0"/>
-              <a:buChar char="•"/>
-              <a:defRPr sz="2000" kern="1200">
-                <a:solidFill>
-                  <a:schemeClr val="tx1"/>
-                </a:solidFill>
-                <a:latin typeface="+mn-lt"/>
-                <a:ea typeface="+mn-ea"/>
-                <a:cs typeface="+mn-cs"/>
-              </a:defRPr>
-            </a:lvl7pPr>
-            <a:lvl8pPr marL="3429000" indent="-228600" algn="l" defTabSz="914400" rtl="0" eaLnBrk="1" latinLnBrk="1" hangingPunct="1">
-              <a:spcBef>
-                <a:spcPct val="20000"/>
-              </a:spcBef>
-              <a:buFont typeface="Arial" panose="020B0604020202020204" pitchFamily="34" charset="0"/>
-              <a:buChar char="•"/>
-              <a:defRPr sz="2000" kern="1200">
-                <a:solidFill>
-                  <a:schemeClr val="tx1"/>
-                </a:solidFill>
-                <a:latin typeface="+mn-lt"/>
-                <a:ea typeface="+mn-ea"/>
-                <a:cs typeface="+mn-cs"/>
-              </a:defRPr>
-            </a:lvl8pPr>
-            <a:lvl9pPr marL="3886200" indent="-228600" algn="l" defTabSz="914400" rtl="0" eaLnBrk="1" latinLnBrk="1" hangingPunct="1">
-              <a:spcBef>
-                <a:spcPct val="20000"/>
-              </a:spcBef>
-              <a:buFont typeface="Arial" panose="020B0604020202020204" pitchFamily="34" charset="0"/>
-              <a:buChar char="•"/>
-              <a:defRPr sz="2000" kern="1200">
-                <a:solidFill>
-                  <a:schemeClr val="tx1"/>
-                </a:solidFill>
-                <a:latin typeface="+mn-lt"/>
-                <a:ea typeface="+mn-ea"/>
-                <a:cs typeface="+mn-cs"/>
-              </a:defRPr>
-            </a:lvl9pPr>
-          </a:lstStyle>
-          <a:p>
-            <a:pPr marL="0" indent="0">
-              <a:lnSpc>
-                <a:spcPct val="150000"/>
-              </a:lnSpc>
-              <a:buFont typeface="Arial" panose="020B0604020202020204" pitchFamily="34" charset="0"/>
-              <a:buNone/>
-            </a:pPr>
-            <a:r>
-              <a:rPr lang="ko-KR" altLang="en-US" sz="1800" b="1" dirty="0" smtClean="0"/>
-              <a:t>  </a:t>
-            </a:r>
-            <a:r>
-              <a:rPr lang="en-US" altLang="ko-KR" sz="1800" b="1" dirty="0" smtClean="0"/>
-              <a:t>BOARD </a:t>
-            </a:r>
-            <a:r>
-              <a:rPr lang="ko-KR" altLang="en-US" sz="1800" b="1" dirty="0" smtClean="0"/>
-              <a:t>테이블에 적용</a:t>
-            </a:r>
-            <a:endParaRPr lang="en-US" altLang="ko-KR" sz="1800" b="1" dirty="0" smtClean="0"/>
-          </a:p>
-          <a:p>
-            <a:pPr marL="0" indent="0">
-              <a:lnSpc>
-                <a:spcPct val="150000"/>
-              </a:lnSpc>
-              <a:buFont typeface="Arial" panose="020B0604020202020204" pitchFamily="34" charset="0"/>
-              <a:buNone/>
-            </a:pPr>
-            <a:endParaRPr lang="en-US" altLang="ko-KR" sz="1800" b="1" dirty="0" smtClean="0"/>
-          </a:p>
-        </p:txBody>
-      </p:sp>
-      <p:pic>
-        <p:nvPicPr>
-          <p:cNvPr id="5" name="그림 4"/>
-          <p:cNvPicPr>
-            <a:picLocks noChangeAspect="1"/>
-          </p:cNvPicPr>
-          <p:nvPr/>
-        </p:nvPicPr>
-        <p:blipFill>
-          <a:blip r:embed="rId2">
-            <a:extLst>
-              <a:ext uri="{28A0092B-C50C-407E-A947-70E740481C1C}">
-                <a14:useLocalDpi xmlns:a14="http://schemas.microsoft.com/office/drawing/2010/main" val="0"/>
-              </a:ext>
-            </a:extLst>
-          </a:blip>
-          <a:stretch>
-            <a:fillRect/>
-          </a:stretch>
-        </p:blipFill>
-        <p:spPr>
-          <a:xfrm>
-            <a:off x="1187624" y="1888435"/>
-            <a:ext cx="5898392" cy="3642676"/>
-          </a:xfrm>
-          <a:prstGeom prst="rect">
-            <a:avLst/>
-          </a:prstGeom>
-          <a:ln>
-            <a:solidFill>
-              <a:schemeClr val="bg1">
-                <a:lumMod val="85000"/>
-              </a:schemeClr>
-            </a:solidFill>
-          </a:ln>
-        </p:spPr>
-      </p:pic>
-      <p:pic>
-        <p:nvPicPr>
-          <p:cNvPr id="6" name="그림 5"/>
-          <p:cNvPicPr>
-            <a:picLocks noChangeAspect="1"/>
-          </p:cNvPicPr>
-          <p:nvPr/>
-        </p:nvPicPr>
-        <p:blipFill>
-          <a:blip r:embed="rId3">
-            <a:extLst>
-              <a:ext uri="{28A0092B-C50C-407E-A947-70E740481C1C}">
-                <a14:useLocalDpi xmlns:a14="http://schemas.microsoft.com/office/drawing/2010/main" val="0"/>
-              </a:ext>
-            </a:extLst>
-          </a:blip>
-          <a:stretch>
-            <a:fillRect/>
-          </a:stretch>
-        </p:blipFill>
-        <p:spPr>
-          <a:xfrm>
-            <a:off x="5076056" y="2276872"/>
-            <a:ext cx="3635055" cy="632515"/>
-          </a:xfrm>
-          <a:prstGeom prst="rect">
-            <a:avLst/>
-          </a:prstGeom>
-          <a:ln>
-            <a:solidFill>
-              <a:schemeClr val="bg1">
-                <a:lumMod val="85000"/>
-              </a:schemeClr>
-            </a:solidFill>
-          </a:ln>
-        </p:spPr>
-      </p:pic>
-    </p:spTree>
-    <p:extLst>
-      <p:ext uri="{BB962C8B-B14F-4D97-AF65-F5344CB8AC3E}">
-        <p14:creationId xmlns:p14="http://schemas.microsoft.com/office/powerpoint/2010/main" val="1581700501"/>
-      </p:ext>
-    </p:extLst>
-  </p:cSld>
-  <p:clrMapOvr>
-    <a:masterClrMapping/>
-  </p:clrMapOvr>
-  <p:timing>
-    <p:tnLst>
-      <p:par>
-        <p:cTn id="1" dur="indefinite" restart="never" nodeType="tmRoot"/>
-      </p:par>
-    </p:tnLst>
-  </p:timing>
-</p:sld>
-</file>
-
-<file path=ppt/slides/slide55.xml><?xml version="1.0" encoding="utf-8"?>
-<p:sld xmlns:a="http://schemas.openxmlformats.org/drawingml/2006/main" xmlns:r="http://schemas.openxmlformats.org/officeDocument/2006/relationships" xmlns:p="http://schemas.openxmlformats.org/presentationml/2006/main">
-  <p:cSld>
-    <p:spTree>
-      <p:nvGrpSpPr>
-        <p:cNvPr id="1" name=""/>
-        <p:cNvGrpSpPr/>
-        <p:nvPr/>
-      </p:nvGrpSpPr>
-      <p:grpSpPr>
-        <a:xfrm>
-          <a:off x="0" y="0"/>
-          <a:ext cx="0" cy="0"/>
-          <a:chOff x="0" y="0"/>
-          <a:chExt cx="0" cy="0"/>
-        </a:xfrm>
-      </p:grpSpPr>
-      <p:sp>
-        <p:nvSpPr>
-          <p:cNvPr id="2" name="제목 1"/>
-          <p:cNvSpPr>
-            <a:spLocks noGrp="1"/>
-          </p:cNvSpPr>
-          <p:nvPr>
-            <p:ph type="title"/>
-          </p:nvPr>
-        </p:nvSpPr>
-        <p:spPr/>
-        <p:txBody>
-          <a:bodyPr/>
-          <a:lstStyle/>
-          <a:p>
-            <a:r>
-              <a:rPr lang="en-US" altLang="ko-KR" dirty="0" smtClean="0"/>
-              <a:t>  </a:t>
-            </a:r>
-            <a:r>
-              <a:rPr lang="ko-KR" altLang="en-US" dirty="0" smtClean="0"/>
-              <a:t>사용자 </a:t>
-            </a:r>
-            <a:r>
-              <a:rPr lang="en-US" altLang="ko-KR" dirty="0" smtClean="0"/>
-              <a:t>DB </a:t>
-            </a:r>
-            <a:r>
-              <a:rPr lang="ko-KR" altLang="en-US" dirty="0" smtClean="0"/>
-              <a:t>만들기</a:t>
-            </a:r>
-            <a:endParaRPr lang="ko-KR" altLang="en-US" dirty="0"/>
-          </a:p>
-        </p:txBody>
-      </p:sp>
-      <p:sp>
-        <p:nvSpPr>
-          <p:cNvPr id="4" name="슬라이드 번호 개체 틀 3"/>
-          <p:cNvSpPr>
-            <a:spLocks noGrp="1"/>
-          </p:cNvSpPr>
-          <p:nvPr>
-            <p:ph type="sldNum" sz="quarter" idx="12"/>
-          </p:nvPr>
-        </p:nvSpPr>
-        <p:spPr/>
-        <p:txBody>
-          <a:bodyPr/>
-          <a:lstStyle/>
-          <a:p>
-            <a:fld id="{1BDE3FE7-3AEA-4B05-AC5A-802D1816ACF0}" type="slidenum">
-              <a:rPr lang="ko-KR" altLang="en-US" smtClean="0"/>
-              <a:t>55</a:t>
-            </a:fld>
-            <a:endParaRPr lang="ko-KR" altLang="en-US"/>
-          </a:p>
-        </p:txBody>
-      </p:sp>
-      <p:sp>
-        <p:nvSpPr>
           <p:cNvPr id="10" name="내용 개체 틀 2"/>
           <p:cNvSpPr>
             <a:spLocks noGrp="1"/>
@@ -36857,7 +36276,7 @@
         <p:spPr>
           <a:xfrm>
             <a:off x="755576" y="1196752"/>
-            <a:ext cx="4824536" cy="504056"/>
+            <a:ext cx="7200800" cy="504056"/>
           </a:xfrm>
         </p:spPr>
         <p:txBody>
@@ -36878,7 +36297,23 @@
             </a:r>
             <a:r>
               <a:rPr lang="ko-KR" altLang="en-US" sz="1800" dirty="0" smtClean="0"/>
-              <a:t>에서 새 데이터베이스 사용자 만들기</a:t>
+              <a:t>에서 새 데이터베이스 사용자 </a:t>
+            </a:r>
+            <a:r>
+              <a:rPr lang="ko-KR" altLang="en-US" sz="1800" dirty="0" smtClean="0"/>
+              <a:t>만들기</a:t>
+            </a:r>
+            <a:r>
+              <a:rPr lang="en-US" altLang="ko-KR" sz="1800" dirty="0" smtClean="0"/>
+              <a:t>(</a:t>
+            </a:r>
+            <a:r>
+              <a:rPr lang="ko-KR" altLang="en-US" sz="1800" dirty="0" smtClean="0"/>
+              <a:t>방법</a:t>
+            </a:r>
+            <a:r>
+              <a:rPr lang="en-US" altLang="ko-KR" sz="1800" dirty="0" smtClean="0"/>
+              <a:t>1)</a:t>
             </a:r>
             <a:endParaRPr lang="en-US" altLang="ko-KR" sz="1800" dirty="0" smtClean="0"/>
           </a:p>
@@ -36996,6 +36431,203 @@
     <p:extLst>
       <p:ext uri="{BB962C8B-B14F-4D97-AF65-F5344CB8AC3E}">
         <p14:creationId xmlns:p14="http://schemas.microsoft.com/office/powerpoint/2010/main" val="1919615364"/>
+      </p:ext>
+    </p:extLst>
+  </p:cSld>
+  <p:clrMapOvr>
+    <a:masterClrMapping/>
+  </p:clrMapOvr>
+  <p:timing>
+    <p:tnLst>
+      <p:par>
+        <p:cTn id="1" dur="indefinite" restart="never" nodeType="tmRoot"/>
+      </p:par>
+    </p:tnLst>
+  </p:timing>
+</p:sld>
+</file>
+
+<file path=ppt/slides/slide55.xml><?xml version="1.0" encoding="utf-8"?>
+<p:sld xmlns:a="http://schemas.openxmlformats.org/drawingml/2006/main" xmlns:r="http://schemas.openxmlformats.org/officeDocument/2006/relationships" xmlns:p="http://schemas.openxmlformats.org/presentationml/2006/main">
+  <p:cSld>
+    <p:spTree>
+      <p:nvGrpSpPr>
+        <p:cNvPr id="1" name=""/>
+        <p:cNvGrpSpPr/>
+        <p:nvPr/>
+      </p:nvGrpSpPr>
+      <p:grpSpPr>
+        <a:xfrm>
+          <a:off x="0" y="0"/>
+          <a:ext cx="0" cy="0"/>
+          <a:chOff x="0" y="0"/>
+          <a:chExt cx="0" cy="0"/>
+        </a:xfrm>
+      </p:grpSpPr>
+      <p:sp>
+        <p:nvSpPr>
+          <p:cNvPr id="2" name="제목 1"/>
+          <p:cNvSpPr>
+            <a:spLocks noGrp="1"/>
+          </p:cNvSpPr>
+          <p:nvPr>
+            <p:ph type="title"/>
+          </p:nvPr>
+        </p:nvSpPr>
+        <p:spPr/>
+        <p:txBody>
+          <a:bodyPr/>
+          <a:lstStyle/>
+          <a:p>
+            <a:r>
+              <a:rPr lang="en-US" altLang="ko-KR" dirty="0" smtClean="0"/>
+              <a:t>  </a:t>
+            </a:r>
+            <a:r>
+              <a:rPr lang="ko-KR" altLang="en-US" dirty="0" smtClean="0"/>
+              <a:t>사용자 </a:t>
+            </a:r>
+            <a:r>
+              <a:rPr lang="en-US" altLang="ko-KR" dirty="0" smtClean="0"/>
+              <a:t>DB </a:t>
+            </a:r>
+            <a:r>
+              <a:rPr lang="ko-KR" altLang="en-US" dirty="0" smtClean="0"/>
+              <a:t>만들기</a:t>
+            </a:r>
+            <a:endParaRPr lang="ko-KR" altLang="en-US" dirty="0"/>
+          </a:p>
+        </p:txBody>
+      </p:sp>
+      <p:sp>
+        <p:nvSpPr>
+          <p:cNvPr id="4" name="슬라이드 번호 개체 틀 3"/>
+          <p:cNvSpPr>
+            <a:spLocks noGrp="1"/>
+          </p:cNvSpPr>
+          <p:nvPr>
+            <p:ph type="sldNum" sz="quarter" idx="12"/>
+          </p:nvPr>
+        </p:nvSpPr>
+        <p:spPr/>
+        <p:txBody>
+          <a:bodyPr/>
+          <a:lstStyle/>
+          <a:p>
+            <a:fld id="{1BDE3FE7-3AEA-4B05-AC5A-802D1816ACF0}" type="slidenum">
+              <a:rPr lang="ko-KR" altLang="en-US" smtClean="0"/>
+              <a:t>55</a:t>
+            </a:fld>
+            <a:endParaRPr lang="ko-KR" altLang="en-US"/>
+          </a:p>
+        </p:txBody>
+      </p:sp>
+      <p:sp>
+        <p:nvSpPr>
+          <p:cNvPr id="10" name="내용 개체 틀 2"/>
+          <p:cNvSpPr>
+            <a:spLocks noGrp="1"/>
+          </p:cNvSpPr>
+          <p:nvPr>
+            <p:ph idx="1"/>
+          </p:nvPr>
+        </p:nvSpPr>
+        <p:spPr>
+          <a:xfrm>
+            <a:off x="755576" y="1196752"/>
+            <a:ext cx="5976664" cy="504056"/>
+          </a:xfrm>
+        </p:spPr>
+        <p:txBody>
+          <a:bodyPr>
+            <a:normAutofit/>
+          </a:bodyPr>
+          <a:lstStyle/>
+          <a:p>
+            <a:pPr marL="0" indent="0">
+              <a:lnSpc>
+                <a:spcPct val="150000"/>
+              </a:lnSpc>
+              <a:buNone/>
+            </a:pPr>
+            <a:r>
+              <a:rPr lang="en-US" altLang="ko-KR" sz="1800" dirty="0" smtClean="0"/>
+              <a:t>SYSTEM</a:t>
+            </a:r>
+            <a:r>
+              <a:rPr lang="ko-KR" altLang="en-US" sz="1800" dirty="0" smtClean="0"/>
+              <a:t>에서 새 데이터베이스 사용자 </a:t>
+            </a:r>
+            <a:r>
+              <a:rPr lang="ko-KR" altLang="en-US" sz="1800" dirty="0" smtClean="0"/>
+              <a:t>만들기</a:t>
+            </a:r>
+            <a:r>
+              <a:rPr lang="en-US" altLang="ko-KR" sz="1800" dirty="0"/>
+              <a:t>(</a:t>
+            </a:r>
+            <a:r>
+              <a:rPr lang="ko-KR" altLang="en-US" sz="1800" dirty="0" smtClean="0"/>
+              <a:t>방법</a:t>
+            </a:r>
+            <a:r>
+              <a:rPr lang="en-US" altLang="ko-KR" sz="1800" dirty="0" smtClean="0"/>
+              <a:t>2)</a:t>
+            </a:r>
+            <a:endParaRPr lang="en-US" altLang="ko-KR" sz="1800" dirty="0"/>
+          </a:p>
+          <a:p>
+            <a:pPr marL="0" indent="0">
+              <a:lnSpc>
+                <a:spcPct val="150000"/>
+              </a:lnSpc>
+              <a:buNone/>
+            </a:pPr>
+            <a:endParaRPr lang="en-US" altLang="ko-KR" sz="1800" dirty="0" smtClean="0"/>
+          </a:p>
+        </p:txBody>
+      </p:sp>
+      <p:pic>
+        <p:nvPicPr>
+          <p:cNvPr id="7" name="그림 6"/>
+          <p:cNvPicPr>
+            <a:picLocks noChangeAspect="1"/>
+          </p:cNvPicPr>
+          <p:nvPr/>
+        </p:nvPicPr>
+        <p:blipFill>
+          <a:blip r:embed="rId2">
+            <a:extLst>
+              <a:ext uri="{28A0092B-C50C-407E-A947-70E740481C1C}">
+                <a14:useLocalDpi xmlns:a14="http://schemas.microsoft.com/office/drawing/2010/main" val="0"/>
+              </a:ext>
+            </a:extLst>
+          </a:blip>
+          <a:stretch>
+            <a:fillRect/>
+          </a:stretch>
+        </p:blipFill>
+        <p:spPr>
+          <a:xfrm>
+            <a:off x="1403648" y="1988840"/>
+            <a:ext cx="4116978" cy="2520280"/>
+          </a:xfrm>
+          <a:prstGeom prst="rect">
+            <a:avLst/>
+          </a:prstGeom>
+          <a:ln>
+            <a:solidFill>
+              <a:schemeClr val="bg1">
+                <a:lumMod val="85000"/>
+              </a:schemeClr>
+            </a:solidFill>
+          </a:ln>
+        </p:spPr>
+      </p:pic>
+    </p:spTree>
+    <p:extLst>
+      <p:ext uri="{BB962C8B-B14F-4D97-AF65-F5344CB8AC3E}">
+        <p14:creationId xmlns:p14="http://schemas.microsoft.com/office/powerpoint/2010/main" val="3156212"/>
       </p:ext>
     </p:extLst>
   </p:cSld>
